--- a/threading.pptx
+++ b/threading.pptx
@@ -4,8 +4,21 @@
   <p:sldMasterIdLst>
     <p:sldMasterId id="2147483660" r:id="rId1"/>
   </p:sldMasterIdLst>
+  <p:notesMasterIdLst>
+    <p:notesMasterId r:id="rId13"/>
+  </p:notesMasterIdLst>
   <p:sldIdLst>
     <p:sldId id="256" r:id="rId2"/>
+    <p:sldId id="257" r:id="rId3"/>
+    <p:sldId id="258" r:id="rId4"/>
+    <p:sldId id="259" r:id="rId5"/>
+    <p:sldId id="260" r:id="rId6"/>
+    <p:sldId id="261" r:id="rId7"/>
+    <p:sldId id="262" r:id="rId8"/>
+    <p:sldId id="263" r:id="rId9"/>
+    <p:sldId id="264" r:id="rId10"/>
+    <p:sldId id="265" r:id="rId11"/>
+    <p:sldId id="266" r:id="rId12"/>
   </p:sldIdLst>
   <p:sldSz cx="12192000" cy="6858000"/>
   <p:notesSz cx="6858000" cy="9144000"/>
@@ -104,7 +117,445 @@
       </a:defRPr>
     </a:lvl9pPr>
   </p:defaultTextStyle>
+  <p:extLst>
+    <p:ext uri="{EFAFB233-063F-42B5-8137-9DF3F51BA10A}">
+      <p15:sldGuideLst xmlns:p15="http://schemas.microsoft.com/office/powerpoint/2012/main"/>
+    </p:ext>
+  </p:extLst>
 </p:presentation>
+</file>
+
+<file path=ppt/notesMasters/notesMaster1.xml><?xml version="1.0" encoding="utf-8"?>
+<p:notesMaster xmlns:a="http://schemas.openxmlformats.org/drawingml/2006/main" xmlns:r="http://schemas.openxmlformats.org/officeDocument/2006/relationships" xmlns:p="http://schemas.openxmlformats.org/presentationml/2006/main">
+  <p:cSld>
+    <p:bg>
+      <p:bgRef idx="1001">
+        <a:schemeClr val="bg1"/>
+      </p:bgRef>
+    </p:bg>
+    <p:spTree>
+      <p:nvGrpSpPr>
+        <p:cNvPr id="1" name=""/>
+        <p:cNvGrpSpPr/>
+        <p:nvPr/>
+      </p:nvGrpSpPr>
+      <p:grpSpPr>
+        <a:xfrm>
+          <a:off x="0" y="0"/>
+          <a:ext cx="0" cy="0"/>
+          <a:chOff x="0" y="0"/>
+          <a:chExt cx="0" cy="0"/>
+        </a:xfrm>
+      </p:grpSpPr>
+      <p:sp>
+        <p:nvSpPr>
+          <p:cNvPr id="2" name="Header Placeholder 1"/>
+          <p:cNvSpPr>
+            <a:spLocks noGrp="1"/>
+          </p:cNvSpPr>
+          <p:nvPr>
+            <p:ph type="hdr" sz="quarter"/>
+          </p:nvPr>
+        </p:nvSpPr>
+        <p:spPr>
+          <a:xfrm>
+            <a:off x="0" y="0"/>
+            <a:ext cx="2971800" cy="458788"/>
+          </a:xfrm>
+          <a:prstGeom prst="rect">
+            <a:avLst/>
+          </a:prstGeom>
+        </p:spPr>
+        <p:txBody>
+          <a:bodyPr vert="horz" lIns="91440" tIns="45720" rIns="91440" bIns="45720" rtlCol="0"/>
+          <a:lstStyle>
+            <a:lvl1pPr algn="l">
+              <a:defRPr sz="1200"/>
+            </a:lvl1pPr>
+          </a:lstStyle>
+          <a:p>
+            <a:endParaRPr lang="en-US"/>
+          </a:p>
+        </p:txBody>
+      </p:sp>
+      <p:sp>
+        <p:nvSpPr>
+          <p:cNvPr id="3" name="Date Placeholder 2"/>
+          <p:cNvSpPr>
+            <a:spLocks noGrp="1"/>
+          </p:cNvSpPr>
+          <p:nvPr>
+            <p:ph type="dt" idx="1"/>
+          </p:nvPr>
+        </p:nvSpPr>
+        <p:spPr>
+          <a:xfrm>
+            <a:off x="3884613" y="0"/>
+            <a:ext cx="2971800" cy="458788"/>
+          </a:xfrm>
+          <a:prstGeom prst="rect">
+            <a:avLst/>
+          </a:prstGeom>
+        </p:spPr>
+        <p:txBody>
+          <a:bodyPr vert="horz" lIns="91440" tIns="45720" rIns="91440" bIns="45720" rtlCol="0"/>
+          <a:lstStyle>
+            <a:lvl1pPr algn="r">
+              <a:defRPr sz="1200"/>
+            </a:lvl1pPr>
+          </a:lstStyle>
+          <a:p>
+            <a:fld id="{C9910A54-8558-4BC2-AC3B-D7C0445DE810}" type="datetimeFigureOut">
+              <a:rPr lang="en-US" smtClean="0"/>
+              <a:t>9/27/2021</a:t>
+            </a:fld>
+            <a:endParaRPr lang="en-US"/>
+          </a:p>
+        </p:txBody>
+      </p:sp>
+      <p:sp>
+        <p:nvSpPr>
+          <p:cNvPr id="4" name="Slide Image Placeholder 3"/>
+          <p:cNvSpPr>
+            <a:spLocks noGrp="1" noRot="1" noChangeAspect="1"/>
+          </p:cNvSpPr>
+          <p:nvPr>
+            <p:ph type="sldImg" idx="2"/>
+          </p:nvPr>
+        </p:nvSpPr>
+        <p:spPr>
+          <a:xfrm>
+            <a:off x="685800" y="1143000"/>
+            <a:ext cx="5486400" cy="3086100"/>
+          </a:xfrm>
+          <a:prstGeom prst="rect">
+            <a:avLst/>
+          </a:prstGeom>
+          <a:noFill/>
+          <a:ln w="12700">
+            <a:solidFill>
+              <a:prstClr val="black"/>
+            </a:solidFill>
+          </a:ln>
+        </p:spPr>
+        <p:txBody>
+          <a:bodyPr vert="horz" lIns="91440" tIns="45720" rIns="91440" bIns="45720" rtlCol="0" anchor="ctr"/>
+          <a:lstStyle/>
+          <a:p>
+            <a:endParaRPr lang="en-US"/>
+          </a:p>
+        </p:txBody>
+      </p:sp>
+      <p:sp>
+        <p:nvSpPr>
+          <p:cNvPr id="5" name="Notes Placeholder 4"/>
+          <p:cNvSpPr>
+            <a:spLocks noGrp="1"/>
+          </p:cNvSpPr>
+          <p:nvPr>
+            <p:ph type="body" sz="quarter" idx="3"/>
+          </p:nvPr>
+        </p:nvSpPr>
+        <p:spPr>
+          <a:xfrm>
+            <a:off x="685800" y="4400550"/>
+            <a:ext cx="5486400" cy="3600450"/>
+          </a:xfrm>
+          <a:prstGeom prst="rect">
+            <a:avLst/>
+          </a:prstGeom>
+        </p:spPr>
+        <p:txBody>
+          <a:bodyPr vert="horz" lIns="91440" tIns="45720" rIns="91440" bIns="45720" rtlCol="0"/>
+          <a:lstStyle/>
+          <a:p>
+            <a:pPr lvl="0"/>
+            <a:r>
+              <a:rPr lang="en-US"/>
+              <a:t>Click to edit Master text styles</a:t>
+            </a:r>
+          </a:p>
+          <a:p>
+            <a:pPr lvl="1"/>
+            <a:r>
+              <a:rPr lang="en-US"/>
+              <a:t>Second level</a:t>
+            </a:r>
+          </a:p>
+          <a:p>
+            <a:pPr lvl="2"/>
+            <a:r>
+              <a:rPr lang="en-US"/>
+              <a:t>Third level</a:t>
+            </a:r>
+          </a:p>
+          <a:p>
+            <a:pPr lvl="3"/>
+            <a:r>
+              <a:rPr lang="en-US"/>
+              <a:t>Fourth level</a:t>
+            </a:r>
+          </a:p>
+          <a:p>
+            <a:pPr lvl="4"/>
+            <a:r>
+              <a:rPr lang="en-US"/>
+              <a:t>Fifth level</a:t>
+            </a:r>
+          </a:p>
+        </p:txBody>
+      </p:sp>
+      <p:sp>
+        <p:nvSpPr>
+          <p:cNvPr id="6" name="Footer Placeholder 5"/>
+          <p:cNvSpPr>
+            <a:spLocks noGrp="1"/>
+          </p:cNvSpPr>
+          <p:nvPr>
+            <p:ph type="ftr" sz="quarter" idx="4"/>
+          </p:nvPr>
+        </p:nvSpPr>
+        <p:spPr>
+          <a:xfrm>
+            <a:off x="0" y="8685213"/>
+            <a:ext cx="2971800" cy="458787"/>
+          </a:xfrm>
+          <a:prstGeom prst="rect">
+            <a:avLst/>
+          </a:prstGeom>
+        </p:spPr>
+        <p:txBody>
+          <a:bodyPr vert="horz" lIns="91440" tIns="45720" rIns="91440" bIns="45720" rtlCol="0" anchor="b"/>
+          <a:lstStyle>
+            <a:lvl1pPr algn="l">
+              <a:defRPr sz="1200"/>
+            </a:lvl1pPr>
+          </a:lstStyle>
+          <a:p>
+            <a:endParaRPr lang="en-US"/>
+          </a:p>
+        </p:txBody>
+      </p:sp>
+      <p:sp>
+        <p:nvSpPr>
+          <p:cNvPr id="7" name="Slide Number Placeholder 6"/>
+          <p:cNvSpPr>
+            <a:spLocks noGrp="1"/>
+          </p:cNvSpPr>
+          <p:nvPr>
+            <p:ph type="sldNum" sz="quarter" idx="5"/>
+          </p:nvPr>
+        </p:nvSpPr>
+        <p:spPr>
+          <a:xfrm>
+            <a:off x="3884613" y="8685213"/>
+            <a:ext cx="2971800" cy="458787"/>
+          </a:xfrm>
+          <a:prstGeom prst="rect">
+            <a:avLst/>
+          </a:prstGeom>
+        </p:spPr>
+        <p:txBody>
+          <a:bodyPr vert="horz" lIns="91440" tIns="45720" rIns="91440" bIns="45720" rtlCol="0" anchor="b"/>
+          <a:lstStyle>
+            <a:lvl1pPr algn="r">
+              <a:defRPr sz="1200"/>
+            </a:lvl1pPr>
+          </a:lstStyle>
+          <a:p>
+            <a:fld id="{EC2B0649-B008-451D-B580-709CACB87B52}" type="slidenum">
+              <a:rPr lang="en-US" smtClean="0"/>
+              <a:t>‹#›</a:t>
+            </a:fld>
+            <a:endParaRPr lang="en-US"/>
+          </a:p>
+        </p:txBody>
+      </p:sp>
+    </p:spTree>
+    <p:extLst>
+      <p:ext uri="{BB962C8B-B14F-4D97-AF65-F5344CB8AC3E}">
+        <p14:creationId xmlns:p14="http://schemas.microsoft.com/office/powerpoint/2010/main" val="1686448997"/>
+      </p:ext>
+    </p:extLst>
+  </p:cSld>
+  <p:clrMap bg1="lt1" tx1="dk1" bg2="lt2" tx2="dk2" accent1="accent1" accent2="accent2" accent3="accent3" accent4="accent4" accent5="accent5" accent6="accent6" hlink="hlink" folHlink="folHlink"/>
+  <p:notesStyle>
+    <a:lvl1pPr marL="0" algn="l" defTabSz="914400" rtl="0" eaLnBrk="1" latinLnBrk="0" hangingPunct="1">
+      <a:defRPr sz="1200" kern="1200">
+        <a:solidFill>
+          <a:schemeClr val="tx1"/>
+        </a:solidFill>
+        <a:latin typeface="+mn-lt"/>
+        <a:ea typeface="+mn-ea"/>
+        <a:cs typeface="+mn-cs"/>
+      </a:defRPr>
+    </a:lvl1pPr>
+    <a:lvl2pPr marL="457200" algn="l" defTabSz="914400" rtl="0" eaLnBrk="1" latinLnBrk="0" hangingPunct="1">
+      <a:defRPr sz="1200" kern="1200">
+        <a:solidFill>
+          <a:schemeClr val="tx1"/>
+        </a:solidFill>
+        <a:latin typeface="+mn-lt"/>
+        <a:ea typeface="+mn-ea"/>
+        <a:cs typeface="+mn-cs"/>
+      </a:defRPr>
+    </a:lvl2pPr>
+    <a:lvl3pPr marL="914400" algn="l" defTabSz="914400" rtl="0" eaLnBrk="1" latinLnBrk="0" hangingPunct="1">
+      <a:defRPr sz="1200" kern="1200">
+        <a:solidFill>
+          <a:schemeClr val="tx1"/>
+        </a:solidFill>
+        <a:latin typeface="+mn-lt"/>
+        <a:ea typeface="+mn-ea"/>
+        <a:cs typeface="+mn-cs"/>
+      </a:defRPr>
+    </a:lvl3pPr>
+    <a:lvl4pPr marL="1371600" algn="l" defTabSz="914400" rtl="0" eaLnBrk="1" latinLnBrk="0" hangingPunct="1">
+      <a:defRPr sz="1200" kern="1200">
+        <a:solidFill>
+          <a:schemeClr val="tx1"/>
+        </a:solidFill>
+        <a:latin typeface="+mn-lt"/>
+        <a:ea typeface="+mn-ea"/>
+        <a:cs typeface="+mn-cs"/>
+      </a:defRPr>
+    </a:lvl4pPr>
+    <a:lvl5pPr marL="1828800" algn="l" defTabSz="914400" rtl="0" eaLnBrk="1" latinLnBrk="0" hangingPunct="1">
+      <a:defRPr sz="1200" kern="1200">
+        <a:solidFill>
+          <a:schemeClr val="tx1"/>
+        </a:solidFill>
+        <a:latin typeface="+mn-lt"/>
+        <a:ea typeface="+mn-ea"/>
+        <a:cs typeface="+mn-cs"/>
+      </a:defRPr>
+    </a:lvl5pPr>
+    <a:lvl6pPr marL="2286000" algn="l" defTabSz="914400" rtl="0" eaLnBrk="1" latinLnBrk="0" hangingPunct="1">
+      <a:defRPr sz="1200" kern="1200">
+        <a:solidFill>
+          <a:schemeClr val="tx1"/>
+        </a:solidFill>
+        <a:latin typeface="+mn-lt"/>
+        <a:ea typeface="+mn-ea"/>
+        <a:cs typeface="+mn-cs"/>
+      </a:defRPr>
+    </a:lvl6pPr>
+    <a:lvl7pPr marL="2743200" algn="l" defTabSz="914400" rtl="0" eaLnBrk="1" latinLnBrk="0" hangingPunct="1">
+      <a:defRPr sz="1200" kern="1200">
+        <a:solidFill>
+          <a:schemeClr val="tx1"/>
+        </a:solidFill>
+        <a:latin typeface="+mn-lt"/>
+        <a:ea typeface="+mn-ea"/>
+        <a:cs typeface="+mn-cs"/>
+      </a:defRPr>
+    </a:lvl7pPr>
+    <a:lvl8pPr marL="3200400" algn="l" defTabSz="914400" rtl="0" eaLnBrk="1" latinLnBrk="0" hangingPunct="1">
+      <a:defRPr sz="1200" kern="1200">
+        <a:solidFill>
+          <a:schemeClr val="tx1"/>
+        </a:solidFill>
+        <a:latin typeface="+mn-lt"/>
+        <a:ea typeface="+mn-ea"/>
+        <a:cs typeface="+mn-cs"/>
+      </a:defRPr>
+    </a:lvl8pPr>
+    <a:lvl9pPr marL="3657600" algn="l" defTabSz="914400" rtl="0" eaLnBrk="1" latinLnBrk="0" hangingPunct="1">
+      <a:defRPr sz="1200" kern="1200">
+        <a:solidFill>
+          <a:schemeClr val="tx1"/>
+        </a:solidFill>
+        <a:latin typeface="+mn-lt"/>
+        <a:ea typeface="+mn-ea"/>
+        <a:cs typeface="+mn-cs"/>
+      </a:defRPr>
+    </a:lvl9pPr>
+  </p:notesStyle>
+</p:notesMaster>
+</file>
+
+<file path=ppt/notesSlides/notesSlide1.xml><?xml version="1.0" encoding="utf-8"?>
+<p:notes xmlns:a="http://schemas.openxmlformats.org/drawingml/2006/main" xmlns:r="http://schemas.openxmlformats.org/officeDocument/2006/relationships" xmlns:p="http://schemas.openxmlformats.org/presentationml/2006/main">
+  <p:cSld>
+    <p:spTree>
+      <p:nvGrpSpPr>
+        <p:cNvPr id="1" name=""/>
+        <p:cNvGrpSpPr/>
+        <p:nvPr/>
+      </p:nvGrpSpPr>
+      <p:grpSpPr>
+        <a:xfrm>
+          <a:off x="0" y="0"/>
+          <a:ext cx="0" cy="0"/>
+          <a:chOff x="0" y="0"/>
+          <a:chExt cx="0" cy="0"/>
+        </a:xfrm>
+      </p:grpSpPr>
+      <p:sp>
+        <p:nvSpPr>
+          <p:cNvPr id="2" name="Slide Image Placeholder 1"/>
+          <p:cNvSpPr>
+            <a:spLocks noGrp="1" noRot="1" noChangeAspect="1"/>
+          </p:cNvSpPr>
+          <p:nvPr>
+            <p:ph type="sldImg"/>
+          </p:nvPr>
+        </p:nvSpPr>
+        <p:spPr/>
+      </p:sp>
+      <p:sp>
+        <p:nvSpPr>
+          <p:cNvPr id="3" name="Notes Placeholder 2"/>
+          <p:cNvSpPr>
+            <a:spLocks noGrp="1"/>
+          </p:cNvSpPr>
+          <p:nvPr>
+            <p:ph type="body" idx="1"/>
+          </p:nvPr>
+        </p:nvSpPr>
+        <p:spPr/>
+        <p:txBody>
+          <a:bodyPr/>
+          <a:lstStyle/>
+          <a:p>
+            <a:endParaRPr lang="en-US" dirty="0"/>
+          </a:p>
+        </p:txBody>
+      </p:sp>
+      <p:sp>
+        <p:nvSpPr>
+          <p:cNvPr id="4" name="Slide Number Placeholder 3"/>
+          <p:cNvSpPr>
+            <a:spLocks noGrp="1"/>
+          </p:cNvSpPr>
+          <p:nvPr>
+            <p:ph type="sldNum" sz="quarter" idx="5"/>
+          </p:nvPr>
+        </p:nvSpPr>
+        <p:spPr/>
+        <p:txBody>
+          <a:bodyPr/>
+          <a:lstStyle/>
+          <a:p>
+            <a:fld id="{EC2B0649-B008-451D-B580-709CACB87B52}" type="slidenum">
+              <a:rPr lang="en-US" smtClean="0"/>
+              <a:t>10</a:t>
+            </a:fld>
+            <a:endParaRPr lang="en-US"/>
+          </a:p>
+        </p:txBody>
+      </p:sp>
+    </p:spTree>
+    <p:extLst>
+      <p:ext uri="{BB962C8B-B14F-4D97-AF65-F5344CB8AC3E}">
+        <p14:creationId xmlns:p14="http://schemas.microsoft.com/office/powerpoint/2010/main" val="1137720903"/>
+      </p:ext>
+    </p:extLst>
+  </p:cSld>
+  <p:clrMapOvr>
+    <a:masterClrMapping/>
+  </p:clrMapOvr>
+</p:notes>
 </file>
 
 <file path=ppt/slideLayouts/slideLayout1.xml><?xml version="1.0" encoding="utf-8"?>
@@ -238,7 +689,7 @@
           <a:p>
             <a:fld id="{FC8B51DD-4D59-4D3C-ADD1-B451BDC2F957}" type="datetimeFigureOut">
               <a:rPr lang="en-US" smtClean="0"/>
-              <a:t>9/26/2021</a:t>
+              <a:t>9/27/2021</a:t>
             </a:fld>
             <a:endParaRPr lang="en-US"/>
           </a:p>
@@ -408,7 +859,7 @@
           <a:p>
             <a:fld id="{FC8B51DD-4D59-4D3C-ADD1-B451BDC2F957}" type="datetimeFigureOut">
               <a:rPr lang="en-US" smtClean="0"/>
-              <a:t>9/26/2021</a:t>
+              <a:t>9/27/2021</a:t>
             </a:fld>
             <a:endParaRPr lang="en-US"/>
           </a:p>
@@ -588,7 +1039,7 @@
           <a:p>
             <a:fld id="{FC8B51DD-4D59-4D3C-ADD1-B451BDC2F957}" type="datetimeFigureOut">
               <a:rPr lang="en-US" smtClean="0"/>
-              <a:t>9/26/2021</a:t>
+              <a:t>9/27/2021</a:t>
             </a:fld>
             <a:endParaRPr lang="en-US"/>
           </a:p>
@@ -758,7 +1209,7 @@
           <a:p>
             <a:fld id="{FC8B51DD-4D59-4D3C-ADD1-B451BDC2F957}" type="datetimeFigureOut">
               <a:rPr lang="en-US" smtClean="0"/>
-              <a:t>9/26/2021</a:t>
+              <a:t>9/27/2021</a:t>
             </a:fld>
             <a:endParaRPr lang="en-US"/>
           </a:p>
@@ -1004,7 +1455,7 @@
           <a:p>
             <a:fld id="{FC8B51DD-4D59-4D3C-ADD1-B451BDC2F957}" type="datetimeFigureOut">
               <a:rPr lang="en-US" smtClean="0"/>
-              <a:t>9/26/2021</a:t>
+              <a:t>9/27/2021</a:t>
             </a:fld>
             <a:endParaRPr lang="en-US"/>
           </a:p>
@@ -1236,7 +1687,7 @@
           <a:p>
             <a:fld id="{FC8B51DD-4D59-4D3C-ADD1-B451BDC2F957}" type="datetimeFigureOut">
               <a:rPr lang="en-US" smtClean="0"/>
-              <a:t>9/26/2021</a:t>
+              <a:t>9/27/2021</a:t>
             </a:fld>
             <a:endParaRPr lang="en-US"/>
           </a:p>
@@ -1603,7 +2054,7 @@
           <a:p>
             <a:fld id="{FC8B51DD-4D59-4D3C-ADD1-B451BDC2F957}" type="datetimeFigureOut">
               <a:rPr lang="en-US" smtClean="0"/>
-              <a:t>9/26/2021</a:t>
+              <a:t>9/27/2021</a:t>
             </a:fld>
             <a:endParaRPr lang="en-US"/>
           </a:p>
@@ -1721,7 +2172,7 @@
           <a:p>
             <a:fld id="{FC8B51DD-4D59-4D3C-ADD1-B451BDC2F957}" type="datetimeFigureOut">
               <a:rPr lang="en-US" smtClean="0"/>
-              <a:t>9/26/2021</a:t>
+              <a:t>9/27/2021</a:t>
             </a:fld>
             <a:endParaRPr lang="en-US"/>
           </a:p>
@@ -1816,7 +2267,7 @@
           <a:p>
             <a:fld id="{FC8B51DD-4D59-4D3C-ADD1-B451BDC2F957}" type="datetimeFigureOut">
               <a:rPr lang="en-US" smtClean="0"/>
-              <a:t>9/26/2021</a:t>
+              <a:t>9/27/2021</a:t>
             </a:fld>
             <a:endParaRPr lang="en-US"/>
           </a:p>
@@ -2093,7 +2544,7 @@
           <a:p>
             <a:fld id="{FC8B51DD-4D59-4D3C-ADD1-B451BDC2F957}" type="datetimeFigureOut">
               <a:rPr lang="en-US" smtClean="0"/>
-              <a:t>9/26/2021</a:t>
+              <a:t>9/27/2021</a:t>
             </a:fld>
             <a:endParaRPr lang="en-US"/>
           </a:p>
@@ -2350,7 +2801,7 @@
           <a:p>
             <a:fld id="{FC8B51DD-4D59-4D3C-ADD1-B451BDC2F957}" type="datetimeFigureOut">
               <a:rPr lang="en-US" smtClean="0"/>
-              <a:t>9/26/2021</a:t>
+              <a:t>9/27/2021</a:t>
             </a:fld>
             <a:endParaRPr lang="en-US"/>
           </a:p>
@@ -2563,7 +3014,7 @@
           <a:p>
             <a:fld id="{FC8B51DD-4D59-4D3C-ADD1-B451BDC2F957}" type="datetimeFigureOut">
               <a:rPr lang="en-US" smtClean="0"/>
-              <a:t>9/26/2021</a:t>
+              <a:t>9/27/2021</a:t>
             </a:fld>
             <a:endParaRPr lang="en-US"/>
           </a:p>
@@ -3034,6 +3485,1427 @@
 </p:sld>
 </file>
 
+<file path=ppt/slides/slide10.xml><?xml version="1.0" encoding="utf-8"?>
+<p:sld xmlns:a="http://schemas.openxmlformats.org/drawingml/2006/main" xmlns:r="http://schemas.openxmlformats.org/officeDocument/2006/relationships" xmlns:p="http://schemas.openxmlformats.org/presentationml/2006/main">
+  <p:cSld>
+    <p:spTree>
+      <p:nvGrpSpPr>
+        <p:cNvPr id="1" name=""/>
+        <p:cNvGrpSpPr/>
+        <p:nvPr/>
+      </p:nvGrpSpPr>
+      <p:grpSpPr>
+        <a:xfrm>
+          <a:off x="0" y="0"/>
+          <a:ext cx="0" cy="0"/>
+          <a:chOff x="0" y="0"/>
+          <a:chExt cx="0" cy="0"/>
+        </a:xfrm>
+      </p:grpSpPr>
+      <p:sp>
+        <p:nvSpPr>
+          <p:cNvPr id="2" name="Title 1">
+            <a:extLst>
+              <a:ext uri="{FF2B5EF4-FFF2-40B4-BE49-F238E27FC236}">
+                <a16:creationId xmlns:a16="http://schemas.microsoft.com/office/drawing/2014/main" id="{316C7B21-594B-4FA2-9FCA-44BA02298E9B}"/>
+              </a:ext>
+            </a:extLst>
+          </p:cNvPr>
+          <p:cNvSpPr>
+            <a:spLocks noGrp="1"/>
+          </p:cNvSpPr>
+          <p:nvPr>
+            <p:ph type="title"/>
+          </p:nvPr>
+        </p:nvSpPr>
+        <p:spPr>
+          <a:xfrm>
+            <a:off x="838200" y="129551"/>
+            <a:ext cx="10515600" cy="1325563"/>
+          </a:xfrm>
+        </p:spPr>
+        <p:txBody>
+          <a:bodyPr/>
+          <a:lstStyle/>
+          <a:p>
+            <a:r>
+              <a:rPr lang="en-US" dirty="0"/>
+              <a:t>Race Conditions: Revisited</a:t>
+            </a:r>
+          </a:p>
+        </p:txBody>
+      </p:sp>
+      <p:sp>
+        <p:nvSpPr>
+          <p:cNvPr id="3" name="Content Placeholder 2">
+            <a:extLst>
+              <a:ext uri="{FF2B5EF4-FFF2-40B4-BE49-F238E27FC236}">
+                <a16:creationId xmlns:a16="http://schemas.microsoft.com/office/drawing/2014/main" id="{1EFA76CF-A2A2-49AC-BD8F-0095F73C385B}"/>
+              </a:ext>
+            </a:extLst>
+          </p:cNvPr>
+          <p:cNvSpPr>
+            <a:spLocks noGrp="1"/>
+          </p:cNvSpPr>
+          <p:nvPr>
+            <p:ph idx="1"/>
+          </p:nvPr>
+        </p:nvSpPr>
+        <p:spPr/>
+        <p:txBody>
+          <a:bodyPr/>
+          <a:lstStyle/>
+          <a:p>
+            <a:endParaRPr lang="en-US"/>
+          </a:p>
+        </p:txBody>
+      </p:sp>
+      <p:pic>
+        <p:nvPicPr>
+          <p:cNvPr id="5" name="Picture 4">
+            <a:extLst>
+              <a:ext uri="{FF2B5EF4-FFF2-40B4-BE49-F238E27FC236}">
+                <a16:creationId xmlns:a16="http://schemas.microsoft.com/office/drawing/2014/main" id="{A0E13431-59FF-45F5-B5BE-5F482A43101B}"/>
+              </a:ext>
+            </a:extLst>
+          </p:cNvPr>
+          <p:cNvPicPr>
+            <a:picLocks noChangeAspect="1"/>
+          </p:cNvPicPr>
+          <p:nvPr/>
+        </p:nvPicPr>
+        <p:blipFill>
+          <a:blip r:embed="rId3"/>
+          <a:stretch>
+            <a:fillRect/>
+          </a:stretch>
+        </p:blipFill>
+        <p:spPr>
+          <a:xfrm>
+            <a:off x="0" y="1491740"/>
+            <a:ext cx="4819650" cy="4562475"/>
+          </a:xfrm>
+          <a:prstGeom prst="rect">
+            <a:avLst/>
+          </a:prstGeom>
+        </p:spPr>
+      </p:pic>
+      <p:pic>
+        <p:nvPicPr>
+          <p:cNvPr id="7" name="Picture 6">
+            <a:extLst>
+              <a:ext uri="{FF2B5EF4-FFF2-40B4-BE49-F238E27FC236}">
+                <a16:creationId xmlns:a16="http://schemas.microsoft.com/office/drawing/2014/main" id="{B9ED992C-A2D5-435D-985A-1849D5E8E367}"/>
+              </a:ext>
+            </a:extLst>
+          </p:cNvPr>
+          <p:cNvPicPr>
+            <a:picLocks noChangeAspect="1"/>
+          </p:cNvPicPr>
+          <p:nvPr/>
+        </p:nvPicPr>
+        <p:blipFill>
+          <a:blip r:embed="rId4"/>
+          <a:stretch>
+            <a:fillRect/>
+          </a:stretch>
+        </p:blipFill>
+        <p:spPr>
+          <a:xfrm>
+            <a:off x="4095752" y="986914"/>
+            <a:ext cx="6553200" cy="5572125"/>
+          </a:xfrm>
+          <a:prstGeom prst="rect">
+            <a:avLst/>
+          </a:prstGeom>
+        </p:spPr>
+      </p:pic>
+      <p:pic>
+        <p:nvPicPr>
+          <p:cNvPr id="9" name="Picture 8">
+            <a:extLst>
+              <a:ext uri="{FF2B5EF4-FFF2-40B4-BE49-F238E27FC236}">
+                <a16:creationId xmlns:a16="http://schemas.microsoft.com/office/drawing/2014/main" id="{A3663AAD-7728-4996-96AE-C894359CC3F0}"/>
+              </a:ext>
+            </a:extLst>
+          </p:cNvPr>
+          <p:cNvPicPr>
+            <a:picLocks noChangeAspect="1"/>
+          </p:cNvPicPr>
+          <p:nvPr/>
+        </p:nvPicPr>
+        <p:blipFill>
+          <a:blip r:embed="rId5"/>
+          <a:stretch>
+            <a:fillRect/>
+          </a:stretch>
+        </p:blipFill>
+        <p:spPr>
+          <a:xfrm>
+            <a:off x="9410700" y="3571875"/>
+            <a:ext cx="2781300" cy="3286125"/>
+          </a:xfrm>
+          <a:prstGeom prst="rect">
+            <a:avLst/>
+          </a:prstGeom>
+        </p:spPr>
+      </p:pic>
+    </p:spTree>
+    <p:extLst>
+      <p:ext uri="{BB962C8B-B14F-4D97-AF65-F5344CB8AC3E}">
+        <p14:creationId xmlns:p14="http://schemas.microsoft.com/office/powerpoint/2010/main" val="1151481280"/>
+      </p:ext>
+    </p:extLst>
+  </p:cSld>
+  <p:clrMapOvr>
+    <a:masterClrMapping/>
+  </p:clrMapOvr>
+</p:sld>
+</file>
+
+<file path=ppt/slides/slide11.xml><?xml version="1.0" encoding="utf-8"?>
+<p:sld xmlns:a="http://schemas.openxmlformats.org/drawingml/2006/main" xmlns:r="http://schemas.openxmlformats.org/officeDocument/2006/relationships" xmlns:p="http://schemas.openxmlformats.org/presentationml/2006/main">
+  <p:cSld>
+    <p:spTree>
+      <p:nvGrpSpPr>
+        <p:cNvPr id="1" name=""/>
+        <p:cNvGrpSpPr/>
+        <p:nvPr/>
+      </p:nvGrpSpPr>
+      <p:grpSpPr>
+        <a:xfrm>
+          <a:off x="0" y="0"/>
+          <a:ext cx="0" cy="0"/>
+          <a:chOff x="0" y="0"/>
+          <a:chExt cx="0" cy="0"/>
+        </a:xfrm>
+      </p:grpSpPr>
+      <p:sp>
+        <p:nvSpPr>
+          <p:cNvPr id="2" name="Title 1">
+            <a:extLst>
+              <a:ext uri="{FF2B5EF4-FFF2-40B4-BE49-F238E27FC236}">
+                <a16:creationId xmlns:a16="http://schemas.microsoft.com/office/drawing/2014/main" id="{5084679E-8D09-478F-936B-43B58253EF73}"/>
+              </a:ext>
+            </a:extLst>
+          </p:cNvPr>
+          <p:cNvSpPr>
+            <a:spLocks noGrp="1"/>
+          </p:cNvSpPr>
+          <p:nvPr>
+            <p:ph type="title"/>
+          </p:nvPr>
+        </p:nvSpPr>
+        <p:spPr/>
+        <p:txBody>
+          <a:bodyPr/>
+          <a:lstStyle/>
+          <a:p>
+            <a:r>
+              <a:rPr lang="en-US" dirty="0"/>
+              <a:t>Break for the Threading Workbook</a:t>
+            </a:r>
+          </a:p>
+        </p:txBody>
+      </p:sp>
+      <p:sp>
+        <p:nvSpPr>
+          <p:cNvPr id="3" name="Text Placeholder 2">
+            <a:extLst>
+              <a:ext uri="{FF2B5EF4-FFF2-40B4-BE49-F238E27FC236}">
+                <a16:creationId xmlns:a16="http://schemas.microsoft.com/office/drawing/2014/main" id="{B77F90BE-107F-4B75-B3C3-BF6BD17C2060}"/>
+              </a:ext>
+            </a:extLst>
+          </p:cNvPr>
+          <p:cNvSpPr>
+            <a:spLocks noGrp="1"/>
+          </p:cNvSpPr>
+          <p:nvPr>
+            <p:ph type="body" idx="1"/>
+          </p:nvPr>
+        </p:nvSpPr>
+        <p:spPr/>
+        <p:txBody>
+          <a:bodyPr/>
+          <a:lstStyle/>
+          <a:p>
+            <a:endParaRPr lang="en-US"/>
+          </a:p>
+        </p:txBody>
+      </p:sp>
+    </p:spTree>
+    <p:extLst>
+      <p:ext uri="{BB962C8B-B14F-4D97-AF65-F5344CB8AC3E}">
+        <p14:creationId xmlns:p14="http://schemas.microsoft.com/office/powerpoint/2010/main" val="3284259835"/>
+      </p:ext>
+    </p:extLst>
+  </p:cSld>
+  <p:clrMapOvr>
+    <a:masterClrMapping/>
+  </p:clrMapOvr>
+</p:sld>
+</file>
+
+<file path=ppt/slides/slide2.xml><?xml version="1.0" encoding="utf-8"?>
+<p:sld xmlns:a="http://schemas.openxmlformats.org/drawingml/2006/main" xmlns:r="http://schemas.openxmlformats.org/officeDocument/2006/relationships" xmlns:p="http://schemas.openxmlformats.org/presentationml/2006/main">
+  <p:cSld>
+    <p:spTree>
+      <p:nvGrpSpPr>
+        <p:cNvPr id="1" name=""/>
+        <p:cNvGrpSpPr/>
+        <p:nvPr/>
+      </p:nvGrpSpPr>
+      <p:grpSpPr>
+        <a:xfrm>
+          <a:off x="0" y="0"/>
+          <a:ext cx="0" cy="0"/>
+          <a:chOff x="0" y="0"/>
+          <a:chExt cx="0" cy="0"/>
+        </a:xfrm>
+      </p:grpSpPr>
+      <p:sp>
+        <p:nvSpPr>
+          <p:cNvPr id="2" name="Title 1">
+            <a:extLst>
+              <a:ext uri="{FF2B5EF4-FFF2-40B4-BE49-F238E27FC236}">
+                <a16:creationId xmlns:a16="http://schemas.microsoft.com/office/drawing/2014/main" id="{134BC91C-27FE-40C3-9299-4DB4BA9EC12C}"/>
+              </a:ext>
+            </a:extLst>
+          </p:cNvPr>
+          <p:cNvSpPr>
+            <a:spLocks noGrp="1"/>
+          </p:cNvSpPr>
+          <p:nvPr>
+            <p:ph type="title"/>
+          </p:nvPr>
+        </p:nvSpPr>
+        <p:spPr/>
+        <p:txBody>
+          <a:bodyPr/>
+          <a:lstStyle/>
+          <a:p>
+            <a:r>
+              <a:rPr lang="en-US" dirty="0"/>
+              <a:t>What is a thread?</a:t>
+            </a:r>
+          </a:p>
+        </p:txBody>
+      </p:sp>
+      <p:sp>
+        <p:nvSpPr>
+          <p:cNvPr id="3" name="Content Placeholder 2">
+            <a:extLst>
+              <a:ext uri="{FF2B5EF4-FFF2-40B4-BE49-F238E27FC236}">
+                <a16:creationId xmlns:a16="http://schemas.microsoft.com/office/drawing/2014/main" id="{AF99AD65-F953-4661-A723-79449DA1C01E}"/>
+              </a:ext>
+            </a:extLst>
+          </p:cNvPr>
+          <p:cNvSpPr>
+            <a:spLocks noGrp="1"/>
+          </p:cNvSpPr>
+          <p:nvPr>
+            <p:ph idx="1"/>
+          </p:nvPr>
+        </p:nvSpPr>
+        <p:spPr/>
+        <p:txBody>
+          <a:bodyPr/>
+          <a:lstStyle/>
+          <a:p>
+            <a:r>
+              <a:rPr lang="en-US" dirty="0"/>
+              <a:t>A thread is an entity within a process that can be scheduled for execution. Also, it is the smallest unit of processing that can be performed in an OS (Operating System).</a:t>
+            </a:r>
+          </a:p>
+          <a:p>
+            <a:r>
+              <a:rPr lang="en-US" dirty="0"/>
+              <a:t>Threads vs Processes</a:t>
+            </a:r>
+          </a:p>
+          <a:p>
+            <a:r>
+              <a:rPr lang="en-US" dirty="0"/>
+              <a:t>Threads each possess a separate execution stack</a:t>
+            </a:r>
+          </a:p>
+          <a:p>
+            <a:r>
+              <a:rPr lang="en-US" dirty="0"/>
+              <a:t>Threads share data within their process</a:t>
+            </a:r>
+          </a:p>
+          <a:p>
+            <a:r>
+              <a:rPr lang="en-US" dirty="0"/>
+              <a:t>Normally in Python, only one Thread is ever running at a time, though the CPU switches between them rapidly enough to often make it seem like they’re running at the same time.</a:t>
+            </a:r>
+          </a:p>
+        </p:txBody>
+      </p:sp>
+    </p:spTree>
+    <p:extLst>
+      <p:ext uri="{BB962C8B-B14F-4D97-AF65-F5344CB8AC3E}">
+        <p14:creationId xmlns:p14="http://schemas.microsoft.com/office/powerpoint/2010/main" val="67479041"/>
+      </p:ext>
+    </p:extLst>
+  </p:cSld>
+  <p:clrMapOvr>
+    <a:masterClrMapping/>
+  </p:clrMapOvr>
+</p:sld>
+</file>
+
+<file path=ppt/slides/slide3.xml><?xml version="1.0" encoding="utf-8"?>
+<p:sld xmlns:a="http://schemas.openxmlformats.org/drawingml/2006/main" xmlns:r="http://schemas.openxmlformats.org/officeDocument/2006/relationships" xmlns:p="http://schemas.openxmlformats.org/presentationml/2006/main">
+  <p:cSld>
+    <p:spTree>
+      <p:nvGrpSpPr>
+        <p:cNvPr id="1" name=""/>
+        <p:cNvGrpSpPr/>
+        <p:nvPr/>
+      </p:nvGrpSpPr>
+      <p:grpSpPr>
+        <a:xfrm>
+          <a:off x="0" y="0"/>
+          <a:ext cx="0" cy="0"/>
+          <a:chOff x="0" y="0"/>
+          <a:chExt cx="0" cy="0"/>
+        </a:xfrm>
+      </p:grpSpPr>
+      <p:sp>
+        <p:nvSpPr>
+          <p:cNvPr id="2" name="Title 1">
+            <a:extLst>
+              <a:ext uri="{FF2B5EF4-FFF2-40B4-BE49-F238E27FC236}">
+                <a16:creationId xmlns:a16="http://schemas.microsoft.com/office/drawing/2014/main" id="{C92536F3-27D1-4594-B633-700AF85C0BCB}"/>
+              </a:ext>
+            </a:extLst>
+          </p:cNvPr>
+          <p:cNvSpPr>
+            <a:spLocks noGrp="1"/>
+          </p:cNvSpPr>
+          <p:nvPr>
+            <p:ph type="title"/>
+          </p:nvPr>
+        </p:nvSpPr>
+        <p:spPr/>
+        <p:txBody>
+          <a:bodyPr/>
+          <a:lstStyle/>
+          <a:p>
+            <a:endParaRPr lang="en-US"/>
+          </a:p>
+        </p:txBody>
+      </p:sp>
+      <p:sp>
+        <p:nvSpPr>
+          <p:cNvPr id="3" name="Content Placeholder 2">
+            <a:extLst>
+              <a:ext uri="{FF2B5EF4-FFF2-40B4-BE49-F238E27FC236}">
+                <a16:creationId xmlns:a16="http://schemas.microsoft.com/office/drawing/2014/main" id="{91E749E5-94F2-4009-BDE0-8F9C2B643FE3}"/>
+              </a:ext>
+            </a:extLst>
+          </p:cNvPr>
+          <p:cNvSpPr>
+            <a:spLocks noGrp="1"/>
+          </p:cNvSpPr>
+          <p:nvPr>
+            <p:ph idx="1"/>
+          </p:nvPr>
+        </p:nvSpPr>
+        <p:spPr/>
+        <p:txBody>
+          <a:bodyPr/>
+          <a:lstStyle/>
+          <a:p>
+            <a:endParaRPr lang="en-US"/>
+          </a:p>
+        </p:txBody>
+      </p:sp>
+      <p:pic>
+        <p:nvPicPr>
+          <p:cNvPr id="1026" name="Picture 2">
+            <a:extLst>
+              <a:ext uri="{FF2B5EF4-FFF2-40B4-BE49-F238E27FC236}">
+                <a16:creationId xmlns:a16="http://schemas.microsoft.com/office/drawing/2014/main" id="{4D920FAE-D742-46D4-8D7B-4D5BCE2A437B}"/>
+              </a:ext>
+            </a:extLst>
+          </p:cNvPr>
+          <p:cNvPicPr>
+            <a:picLocks noChangeAspect="1" noChangeArrowheads="1"/>
+          </p:cNvPicPr>
+          <p:nvPr/>
+        </p:nvPicPr>
+        <p:blipFill>
+          <a:blip r:embed="rId2">
+            <a:extLst>
+              <a:ext uri="{28A0092B-C50C-407E-A947-70E740481C1C}">
+                <a14:useLocalDpi xmlns:a14="http://schemas.microsoft.com/office/drawing/2010/main" val="0"/>
+              </a:ext>
+            </a:extLst>
+          </a:blip>
+          <a:srcRect/>
+          <a:stretch>
+            <a:fillRect/>
+          </a:stretch>
+        </p:blipFill>
+        <p:spPr bwMode="auto">
+          <a:xfrm>
+            <a:off x="656866" y="176683"/>
+            <a:ext cx="11278971" cy="6504634"/>
+          </a:xfrm>
+          <a:prstGeom prst="rect">
+            <a:avLst/>
+          </a:prstGeom>
+          <a:noFill/>
+          <a:extLst>
+            <a:ext uri="{909E8E84-426E-40DD-AFC4-6F175D3DCCD1}">
+              <a14:hiddenFill xmlns:a14="http://schemas.microsoft.com/office/drawing/2010/main">
+                <a:solidFill>
+                  <a:srgbClr val="FFFFFF"/>
+                </a:solidFill>
+              </a14:hiddenFill>
+            </a:ext>
+          </a:extLst>
+        </p:spPr>
+      </p:pic>
+    </p:spTree>
+    <p:extLst>
+      <p:ext uri="{BB962C8B-B14F-4D97-AF65-F5344CB8AC3E}">
+        <p14:creationId xmlns:p14="http://schemas.microsoft.com/office/powerpoint/2010/main" val="899975142"/>
+      </p:ext>
+    </p:extLst>
+  </p:cSld>
+  <p:clrMapOvr>
+    <a:masterClrMapping/>
+  </p:clrMapOvr>
+</p:sld>
+</file>
+
+<file path=ppt/slides/slide4.xml><?xml version="1.0" encoding="utf-8"?>
+<p:sld xmlns:a="http://schemas.openxmlformats.org/drawingml/2006/main" xmlns:r="http://schemas.openxmlformats.org/officeDocument/2006/relationships" xmlns:p="http://schemas.openxmlformats.org/presentationml/2006/main">
+  <p:cSld>
+    <p:spTree>
+      <p:nvGrpSpPr>
+        <p:cNvPr id="1" name=""/>
+        <p:cNvGrpSpPr/>
+        <p:nvPr/>
+      </p:nvGrpSpPr>
+      <p:grpSpPr>
+        <a:xfrm>
+          <a:off x="0" y="0"/>
+          <a:ext cx="0" cy="0"/>
+          <a:chOff x="0" y="0"/>
+          <a:chExt cx="0" cy="0"/>
+        </a:xfrm>
+      </p:grpSpPr>
+      <p:sp>
+        <p:nvSpPr>
+          <p:cNvPr id="2" name="Title 1">
+            <a:extLst>
+              <a:ext uri="{FF2B5EF4-FFF2-40B4-BE49-F238E27FC236}">
+                <a16:creationId xmlns:a16="http://schemas.microsoft.com/office/drawing/2014/main" id="{C38E95B2-F233-4E9C-811D-42CDD8B7FE5D}"/>
+              </a:ext>
+            </a:extLst>
+          </p:cNvPr>
+          <p:cNvSpPr>
+            <a:spLocks noGrp="1"/>
+          </p:cNvSpPr>
+          <p:nvPr>
+            <p:ph type="title"/>
+          </p:nvPr>
+        </p:nvSpPr>
+        <p:spPr/>
+        <p:txBody>
+          <a:bodyPr/>
+          <a:lstStyle/>
+          <a:p>
+            <a:r>
+              <a:rPr lang="en-US" dirty="0"/>
+              <a:t>Creating Threads</a:t>
+            </a:r>
+          </a:p>
+        </p:txBody>
+      </p:sp>
+      <p:sp>
+        <p:nvSpPr>
+          <p:cNvPr id="3" name="Content Placeholder 2">
+            <a:extLst>
+              <a:ext uri="{FF2B5EF4-FFF2-40B4-BE49-F238E27FC236}">
+                <a16:creationId xmlns:a16="http://schemas.microsoft.com/office/drawing/2014/main" id="{7D243F0B-803C-4C58-BC3A-F962956129DD}"/>
+              </a:ext>
+            </a:extLst>
+          </p:cNvPr>
+          <p:cNvSpPr>
+            <a:spLocks noGrp="1"/>
+          </p:cNvSpPr>
+          <p:nvPr>
+            <p:ph idx="1"/>
+          </p:nvPr>
+        </p:nvSpPr>
+        <p:spPr>
+          <a:xfrm>
+            <a:off x="838200" y="1825625"/>
+            <a:ext cx="3607340" cy="4351338"/>
+          </a:xfrm>
+        </p:spPr>
+        <p:txBody>
+          <a:bodyPr/>
+          <a:lstStyle/>
+          <a:p>
+            <a:r>
+              <a:rPr lang="en-US" dirty="0"/>
+              <a:t>Use the </a:t>
+            </a:r>
+            <a:r>
+              <a:rPr lang="en-US" dirty="0">
+                <a:latin typeface="Consolas" panose="020B0609020204030204" pitchFamily="49" charset="0"/>
+              </a:rPr>
+              <a:t>threading</a:t>
+            </a:r>
+            <a:r>
+              <a:rPr lang="en-US" dirty="0"/>
+              <a:t> module</a:t>
+            </a:r>
+          </a:p>
+          <a:p>
+            <a:r>
+              <a:rPr lang="en-US" dirty="0" err="1">
+                <a:latin typeface="Consolas" panose="020B0609020204030204" pitchFamily="49" charset="0"/>
+              </a:rPr>
+              <a:t>threading.Thread</a:t>
+            </a:r>
+            <a:r>
+              <a:rPr lang="en-US" dirty="0">
+                <a:latin typeface="Consolas" panose="020B0609020204030204" pitchFamily="49" charset="0"/>
+              </a:rPr>
+              <a:t> </a:t>
+            </a:r>
+            <a:r>
+              <a:rPr lang="en-US" dirty="0"/>
+              <a:t>to create</a:t>
+            </a:r>
+          </a:p>
+          <a:p>
+            <a:r>
+              <a:rPr lang="en-US" dirty="0"/>
+              <a:t>The </a:t>
+            </a:r>
+            <a:r>
+              <a:rPr lang="en-US" dirty="0">
+                <a:latin typeface="Consolas" panose="020B0609020204030204" pitchFamily="49" charset="0"/>
+              </a:rPr>
+              <a:t>start</a:t>
+            </a:r>
+            <a:r>
+              <a:rPr lang="en-US" dirty="0"/>
+              <a:t> method to begin running</a:t>
+            </a:r>
+          </a:p>
+        </p:txBody>
+      </p:sp>
+      <p:pic>
+        <p:nvPicPr>
+          <p:cNvPr id="7" name="Picture 6">
+            <a:extLst>
+              <a:ext uri="{FF2B5EF4-FFF2-40B4-BE49-F238E27FC236}">
+                <a16:creationId xmlns:a16="http://schemas.microsoft.com/office/drawing/2014/main" id="{E7FCCBC5-B1CF-45F5-B68F-818DE064887B}"/>
+              </a:ext>
+            </a:extLst>
+          </p:cNvPr>
+          <p:cNvPicPr>
+            <a:picLocks noChangeAspect="1"/>
+          </p:cNvPicPr>
+          <p:nvPr/>
+        </p:nvPicPr>
+        <p:blipFill>
+          <a:blip r:embed="rId2"/>
+          <a:stretch>
+            <a:fillRect/>
+          </a:stretch>
+        </p:blipFill>
+        <p:spPr>
+          <a:xfrm>
+            <a:off x="4531135" y="1362075"/>
+            <a:ext cx="7542512" cy="5130800"/>
+          </a:xfrm>
+          <a:prstGeom prst="rect">
+            <a:avLst/>
+          </a:prstGeom>
+        </p:spPr>
+      </p:pic>
+    </p:spTree>
+    <p:extLst>
+      <p:ext uri="{BB962C8B-B14F-4D97-AF65-F5344CB8AC3E}">
+        <p14:creationId xmlns:p14="http://schemas.microsoft.com/office/powerpoint/2010/main" val="3893666470"/>
+      </p:ext>
+    </p:extLst>
+  </p:cSld>
+  <p:clrMapOvr>
+    <a:masterClrMapping/>
+  </p:clrMapOvr>
+</p:sld>
+</file>
+
+<file path=ppt/slides/slide5.xml><?xml version="1.0" encoding="utf-8"?>
+<p:sld xmlns:a="http://schemas.openxmlformats.org/drawingml/2006/main" xmlns:r="http://schemas.openxmlformats.org/officeDocument/2006/relationships" xmlns:p="http://schemas.openxmlformats.org/presentationml/2006/main">
+  <p:cSld>
+    <p:spTree>
+      <p:nvGrpSpPr>
+        <p:cNvPr id="1" name=""/>
+        <p:cNvGrpSpPr/>
+        <p:nvPr/>
+      </p:nvGrpSpPr>
+      <p:grpSpPr>
+        <a:xfrm>
+          <a:off x="0" y="0"/>
+          <a:ext cx="0" cy="0"/>
+          <a:chOff x="0" y="0"/>
+          <a:chExt cx="0" cy="0"/>
+        </a:xfrm>
+      </p:grpSpPr>
+      <p:sp>
+        <p:nvSpPr>
+          <p:cNvPr id="2" name="Title 1">
+            <a:extLst>
+              <a:ext uri="{FF2B5EF4-FFF2-40B4-BE49-F238E27FC236}">
+                <a16:creationId xmlns:a16="http://schemas.microsoft.com/office/drawing/2014/main" id="{F6227792-A6DB-4DD6-999B-341D74DAF9DF}"/>
+              </a:ext>
+            </a:extLst>
+          </p:cNvPr>
+          <p:cNvSpPr>
+            <a:spLocks noGrp="1"/>
+          </p:cNvSpPr>
+          <p:nvPr>
+            <p:ph type="title"/>
+          </p:nvPr>
+        </p:nvSpPr>
+        <p:spPr/>
+        <p:txBody>
+          <a:bodyPr/>
+          <a:lstStyle/>
+          <a:p>
+            <a:r>
+              <a:rPr lang="en-US" dirty="0"/>
+              <a:t>Thread Creation</a:t>
+            </a:r>
+          </a:p>
+        </p:txBody>
+      </p:sp>
+      <p:sp>
+        <p:nvSpPr>
+          <p:cNvPr id="3" name="Content Placeholder 2">
+            <a:extLst>
+              <a:ext uri="{FF2B5EF4-FFF2-40B4-BE49-F238E27FC236}">
+                <a16:creationId xmlns:a16="http://schemas.microsoft.com/office/drawing/2014/main" id="{837E537A-8887-419E-ADAE-B46F6F5100A7}"/>
+              </a:ext>
+            </a:extLst>
+          </p:cNvPr>
+          <p:cNvSpPr>
+            <a:spLocks noGrp="1"/>
+          </p:cNvSpPr>
+          <p:nvPr>
+            <p:ph idx="1"/>
+          </p:nvPr>
+        </p:nvSpPr>
+        <p:spPr>
+          <a:xfrm>
+            <a:off x="838200" y="1825624"/>
+            <a:ext cx="10515600" cy="4867005"/>
+          </a:xfrm>
+        </p:spPr>
+        <p:txBody>
+          <a:bodyPr>
+            <a:normAutofit/>
+          </a:bodyPr>
+          <a:lstStyle/>
+          <a:p>
+            <a:pPr marL="0" indent="0">
+              <a:buNone/>
+            </a:pPr>
+            <a:r>
+              <a:rPr lang="en-US" dirty="0">
+                <a:latin typeface="Consolas" panose="020B0609020204030204" pitchFamily="49" charset="0"/>
+              </a:rPr>
+              <a:t>class </a:t>
+            </a:r>
+            <a:r>
+              <a:rPr lang="en-US" dirty="0" err="1">
+                <a:latin typeface="Consolas" panose="020B0609020204030204" pitchFamily="49" charset="0"/>
+              </a:rPr>
+              <a:t>threading.Thread</a:t>
+            </a:r>
+            <a:r>
+              <a:rPr lang="en-US" dirty="0">
+                <a:latin typeface="Consolas" panose="020B0609020204030204" pitchFamily="49" charset="0"/>
+              </a:rPr>
+              <a:t>(group=None, target=None, name=None, </a:t>
+            </a:r>
+            <a:r>
+              <a:rPr lang="en-US" dirty="0" err="1">
+                <a:latin typeface="Consolas" panose="020B0609020204030204" pitchFamily="49" charset="0"/>
+              </a:rPr>
+              <a:t>args</a:t>
+            </a:r>
+            <a:r>
+              <a:rPr lang="en-US" dirty="0">
+                <a:latin typeface="Consolas" panose="020B0609020204030204" pitchFamily="49" charset="0"/>
+              </a:rPr>
+              <a:t>=(), </a:t>
+            </a:r>
+            <a:r>
+              <a:rPr lang="en-US" dirty="0" err="1">
+                <a:latin typeface="Consolas" panose="020B0609020204030204" pitchFamily="49" charset="0"/>
+              </a:rPr>
+              <a:t>kwargs</a:t>
+            </a:r>
+            <a:r>
+              <a:rPr lang="en-US" dirty="0">
+                <a:latin typeface="Consolas" panose="020B0609020204030204" pitchFamily="49" charset="0"/>
+              </a:rPr>
+              <a:t>={}, *, daemon=None)</a:t>
+            </a:r>
+          </a:p>
+          <a:p>
+            <a:pPr marL="0" indent="0">
+              <a:buNone/>
+            </a:pPr>
+            <a:r>
+              <a:rPr lang="en-US" dirty="0"/>
+              <a:t>This constructor should be called with keyword arguments:</a:t>
+            </a:r>
+          </a:p>
+          <a:p>
+            <a:pPr marL="0" indent="0">
+              <a:buNone/>
+            </a:pPr>
+            <a:r>
+              <a:rPr lang="en-US" dirty="0">
+                <a:latin typeface="Consolas" panose="020B0609020204030204" pitchFamily="49" charset="0"/>
+              </a:rPr>
+              <a:t>target</a:t>
+            </a:r>
+            <a:r>
+              <a:rPr lang="en-US" dirty="0"/>
+              <a:t> is a callable function that will be run</a:t>
+            </a:r>
+          </a:p>
+          <a:p>
+            <a:pPr marL="0" indent="0">
+              <a:buNone/>
+            </a:pPr>
+            <a:r>
+              <a:rPr lang="en-US" dirty="0" err="1">
+                <a:latin typeface="Consolas" panose="020B0609020204030204" pitchFamily="49" charset="0"/>
+              </a:rPr>
+              <a:t>args</a:t>
+            </a:r>
+            <a:r>
+              <a:rPr lang="en-US" dirty="0"/>
+              <a:t> is the argument tuple for the target function. Defaults to ().</a:t>
+            </a:r>
+          </a:p>
+          <a:p>
+            <a:pPr marL="0" indent="0">
+              <a:buNone/>
+            </a:pPr>
+            <a:r>
+              <a:rPr lang="en-US" dirty="0" err="1">
+                <a:latin typeface="Consolas" panose="020B0609020204030204" pitchFamily="49" charset="0"/>
+              </a:rPr>
+              <a:t>kwargs</a:t>
+            </a:r>
+            <a:r>
+              <a:rPr lang="en-US" dirty="0"/>
+              <a:t> is a dictionary of keyword arguments for the target function. Defaults to {}.</a:t>
+            </a:r>
+          </a:p>
+          <a:p>
+            <a:pPr marL="0" indent="0">
+              <a:buNone/>
+            </a:pPr>
+            <a:r>
+              <a:rPr lang="en-US" dirty="0"/>
+              <a:t>If not None, </a:t>
+            </a:r>
+            <a:r>
+              <a:rPr lang="en-US" dirty="0">
+                <a:latin typeface="Consolas" panose="020B0609020204030204" pitchFamily="49" charset="0"/>
+              </a:rPr>
+              <a:t>daemon</a:t>
+            </a:r>
+            <a:r>
+              <a:rPr lang="en-US" dirty="0"/>
+              <a:t> explicitly sets whether the thread is daemonic. If None (the default), the daemonic property is inherited from the current thread.</a:t>
+            </a:r>
+          </a:p>
+        </p:txBody>
+      </p:sp>
+    </p:spTree>
+    <p:extLst>
+      <p:ext uri="{BB962C8B-B14F-4D97-AF65-F5344CB8AC3E}">
+        <p14:creationId xmlns:p14="http://schemas.microsoft.com/office/powerpoint/2010/main" val="3039440339"/>
+      </p:ext>
+    </p:extLst>
+  </p:cSld>
+  <p:clrMapOvr>
+    <a:masterClrMapping/>
+  </p:clrMapOvr>
+</p:sld>
+</file>
+
+<file path=ppt/slides/slide6.xml><?xml version="1.0" encoding="utf-8"?>
+<p:sld xmlns:a="http://schemas.openxmlformats.org/drawingml/2006/main" xmlns:r="http://schemas.openxmlformats.org/officeDocument/2006/relationships" xmlns:p="http://schemas.openxmlformats.org/presentationml/2006/main">
+  <p:cSld>
+    <p:spTree>
+      <p:nvGrpSpPr>
+        <p:cNvPr id="1" name=""/>
+        <p:cNvGrpSpPr/>
+        <p:nvPr/>
+      </p:nvGrpSpPr>
+      <p:grpSpPr>
+        <a:xfrm>
+          <a:off x="0" y="0"/>
+          <a:ext cx="0" cy="0"/>
+          <a:chOff x="0" y="0"/>
+          <a:chExt cx="0" cy="0"/>
+        </a:xfrm>
+      </p:grpSpPr>
+      <p:sp>
+        <p:nvSpPr>
+          <p:cNvPr id="2" name="Title 1">
+            <a:extLst>
+              <a:ext uri="{FF2B5EF4-FFF2-40B4-BE49-F238E27FC236}">
+                <a16:creationId xmlns:a16="http://schemas.microsoft.com/office/drawing/2014/main" id="{BFF34B39-71D2-4F18-87F8-B692C16DB270}"/>
+              </a:ext>
+            </a:extLst>
+          </p:cNvPr>
+          <p:cNvSpPr>
+            <a:spLocks noGrp="1"/>
+          </p:cNvSpPr>
+          <p:nvPr>
+            <p:ph type="title"/>
+          </p:nvPr>
+        </p:nvSpPr>
+        <p:spPr/>
+        <p:txBody>
+          <a:bodyPr/>
+          <a:lstStyle/>
+          <a:p>
+            <a:r>
+              <a:rPr lang="en-US" dirty="0"/>
+              <a:t>Using the Join Method</a:t>
+            </a:r>
+          </a:p>
+        </p:txBody>
+      </p:sp>
+      <p:pic>
+        <p:nvPicPr>
+          <p:cNvPr id="7" name="Content Placeholder 6">
+            <a:extLst>
+              <a:ext uri="{FF2B5EF4-FFF2-40B4-BE49-F238E27FC236}">
+                <a16:creationId xmlns:a16="http://schemas.microsoft.com/office/drawing/2014/main" id="{99D42C1A-B8DA-4545-9E92-E288201B0D26}"/>
+              </a:ext>
+            </a:extLst>
+          </p:cNvPr>
+          <p:cNvPicPr>
+            <a:picLocks noGrp="1" noChangeAspect="1"/>
+          </p:cNvPicPr>
+          <p:nvPr>
+            <p:ph idx="1"/>
+          </p:nvPr>
+        </p:nvPicPr>
+        <p:blipFill>
+          <a:blip r:embed="rId2"/>
+          <a:stretch>
+            <a:fillRect/>
+          </a:stretch>
+        </p:blipFill>
+        <p:spPr>
+          <a:xfrm>
+            <a:off x="8123304" y="2362151"/>
+            <a:ext cx="3571875" cy="4248150"/>
+          </a:xfrm>
+        </p:spPr>
+      </p:pic>
+      <p:pic>
+        <p:nvPicPr>
+          <p:cNvPr id="5" name="Picture 4">
+            <a:extLst>
+              <a:ext uri="{FF2B5EF4-FFF2-40B4-BE49-F238E27FC236}">
+                <a16:creationId xmlns:a16="http://schemas.microsoft.com/office/drawing/2014/main" id="{5DF548B6-3378-4AAE-AA50-7EA8831252E8}"/>
+              </a:ext>
+            </a:extLst>
+          </p:cNvPr>
+          <p:cNvPicPr>
+            <a:picLocks noChangeAspect="1"/>
+          </p:cNvPicPr>
+          <p:nvPr/>
+        </p:nvPicPr>
+        <p:blipFill>
+          <a:blip r:embed="rId3"/>
+          <a:stretch>
+            <a:fillRect/>
+          </a:stretch>
+        </p:blipFill>
+        <p:spPr>
+          <a:xfrm>
+            <a:off x="263263" y="1346624"/>
+            <a:ext cx="6838950" cy="5438775"/>
+          </a:xfrm>
+          <a:prstGeom prst="rect">
+            <a:avLst/>
+          </a:prstGeom>
+        </p:spPr>
+      </p:pic>
+    </p:spTree>
+    <p:extLst>
+      <p:ext uri="{BB962C8B-B14F-4D97-AF65-F5344CB8AC3E}">
+        <p14:creationId xmlns:p14="http://schemas.microsoft.com/office/powerpoint/2010/main" val="1837846330"/>
+      </p:ext>
+    </p:extLst>
+  </p:cSld>
+  <p:clrMapOvr>
+    <a:masterClrMapping/>
+  </p:clrMapOvr>
+</p:sld>
+</file>
+
+<file path=ppt/slides/slide7.xml><?xml version="1.0" encoding="utf-8"?>
+<p:sld xmlns:a="http://schemas.openxmlformats.org/drawingml/2006/main" xmlns:r="http://schemas.openxmlformats.org/officeDocument/2006/relationships" xmlns:p="http://schemas.openxmlformats.org/presentationml/2006/main">
+  <p:cSld>
+    <p:spTree>
+      <p:nvGrpSpPr>
+        <p:cNvPr id="1" name=""/>
+        <p:cNvGrpSpPr/>
+        <p:nvPr/>
+      </p:nvGrpSpPr>
+      <p:grpSpPr>
+        <a:xfrm>
+          <a:off x="0" y="0"/>
+          <a:ext cx="0" cy="0"/>
+          <a:chOff x="0" y="0"/>
+          <a:chExt cx="0" cy="0"/>
+        </a:xfrm>
+      </p:grpSpPr>
+      <p:sp>
+        <p:nvSpPr>
+          <p:cNvPr id="2" name="Title 1">
+            <a:extLst>
+              <a:ext uri="{FF2B5EF4-FFF2-40B4-BE49-F238E27FC236}">
+                <a16:creationId xmlns:a16="http://schemas.microsoft.com/office/drawing/2014/main" id="{A39E56A6-9E03-4A1D-924F-FBC7C224A208}"/>
+              </a:ext>
+            </a:extLst>
+          </p:cNvPr>
+          <p:cNvSpPr>
+            <a:spLocks noGrp="1"/>
+          </p:cNvSpPr>
+          <p:nvPr>
+            <p:ph type="title"/>
+          </p:nvPr>
+        </p:nvSpPr>
+        <p:spPr/>
+        <p:txBody>
+          <a:bodyPr/>
+          <a:lstStyle/>
+          <a:p>
+            <a:r>
+              <a:rPr lang="en-US" dirty="0"/>
+              <a:t>Race Conditions</a:t>
+            </a:r>
+          </a:p>
+        </p:txBody>
+      </p:sp>
+      <p:sp>
+        <p:nvSpPr>
+          <p:cNvPr id="3" name="Content Placeholder 2">
+            <a:extLst>
+              <a:ext uri="{FF2B5EF4-FFF2-40B4-BE49-F238E27FC236}">
+                <a16:creationId xmlns:a16="http://schemas.microsoft.com/office/drawing/2014/main" id="{4A59BCC8-681D-4193-9EEB-7F064FABC87C}"/>
+              </a:ext>
+            </a:extLst>
+          </p:cNvPr>
+          <p:cNvSpPr>
+            <a:spLocks noGrp="1"/>
+          </p:cNvSpPr>
+          <p:nvPr>
+            <p:ph idx="1"/>
+          </p:nvPr>
+        </p:nvSpPr>
+        <p:spPr/>
+        <p:txBody>
+          <a:bodyPr/>
+          <a:lstStyle/>
+          <a:p>
+            <a:endParaRPr lang="en-US" dirty="0"/>
+          </a:p>
+        </p:txBody>
+      </p:sp>
+      <p:pic>
+        <p:nvPicPr>
+          <p:cNvPr id="5" name="Picture 4">
+            <a:extLst>
+              <a:ext uri="{FF2B5EF4-FFF2-40B4-BE49-F238E27FC236}">
+                <a16:creationId xmlns:a16="http://schemas.microsoft.com/office/drawing/2014/main" id="{5A7430CE-0A6D-40E7-954D-02122CA7A0C2}"/>
+              </a:ext>
+            </a:extLst>
+          </p:cNvPr>
+          <p:cNvPicPr>
+            <a:picLocks noChangeAspect="1"/>
+          </p:cNvPicPr>
+          <p:nvPr/>
+        </p:nvPicPr>
+        <p:blipFill>
+          <a:blip r:embed="rId2"/>
+          <a:stretch>
+            <a:fillRect/>
+          </a:stretch>
+        </p:blipFill>
+        <p:spPr>
+          <a:xfrm>
+            <a:off x="-41242" y="1690688"/>
+            <a:ext cx="4810125" cy="4029075"/>
+          </a:xfrm>
+          <a:prstGeom prst="rect">
+            <a:avLst/>
+          </a:prstGeom>
+        </p:spPr>
+      </p:pic>
+      <p:pic>
+        <p:nvPicPr>
+          <p:cNvPr id="7" name="Picture 6">
+            <a:extLst>
+              <a:ext uri="{FF2B5EF4-FFF2-40B4-BE49-F238E27FC236}">
+                <a16:creationId xmlns:a16="http://schemas.microsoft.com/office/drawing/2014/main" id="{1655211C-4C63-4725-8081-E69E42B0831A}"/>
+              </a:ext>
+            </a:extLst>
+          </p:cNvPr>
+          <p:cNvPicPr>
+            <a:picLocks noChangeAspect="1"/>
+          </p:cNvPicPr>
+          <p:nvPr/>
+        </p:nvPicPr>
+        <p:blipFill>
+          <a:blip r:embed="rId3"/>
+          <a:stretch>
+            <a:fillRect/>
+          </a:stretch>
+        </p:blipFill>
+        <p:spPr>
+          <a:xfrm>
+            <a:off x="4279082" y="1444625"/>
+            <a:ext cx="5276850" cy="4867275"/>
+          </a:xfrm>
+          <a:prstGeom prst="rect">
+            <a:avLst/>
+          </a:prstGeom>
+        </p:spPr>
+      </p:pic>
+      <p:pic>
+        <p:nvPicPr>
+          <p:cNvPr id="9" name="Picture 8">
+            <a:extLst>
+              <a:ext uri="{FF2B5EF4-FFF2-40B4-BE49-F238E27FC236}">
+                <a16:creationId xmlns:a16="http://schemas.microsoft.com/office/drawing/2014/main" id="{2FAB653B-A17F-4489-977A-77537865F104}"/>
+              </a:ext>
+            </a:extLst>
+          </p:cNvPr>
+          <p:cNvPicPr>
+            <a:picLocks noChangeAspect="1"/>
+          </p:cNvPicPr>
+          <p:nvPr/>
+        </p:nvPicPr>
+        <p:blipFill>
+          <a:blip r:embed="rId4"/>
+          <a:stretch>
+            <a:fillRect/>
+          </a:stretch>
+        </p:blipFill>
+        <p:spPr>
+          <a:xfrm>
+            <a:off x="9315451" y="2263364"/>
+            <a:ext cx="2876549" cy="3045758"/>
+          </a:xfrm>
+          <a:prstGeom prst="rect">
+            <a:avLst/>
+          </a:prstGeom>
+        </p:spPr>
+      </p:pic>
+    </p:spTree>
+    <p:extLst>
+      <p:ext uri="{BB962C8B-B14F-4D97-AF65-F5344CB8AC3E}">
+        <p14:creationId xmlns:p14="http://schemas.microsoft.com/office/powerpoint/2010/main" val="1391274839"/>
+      </p:ext>
+    </p:extLst>
+  </p:cSld>
+  <p:clrMapOvr>
+    <a:masterClrMapping/>
+  </p:clrMapOvr>
+</p:sld>
+</file>
+
+<file path=ppt/slides/slide8.xml><?xml version="1.0" encoding="utf-8"?>
+<p:sld xmlns:a="http://schemas.openxmlformats.org/drawingml/2006/main" xmlns:r="http://schemas.openxmlformats.org/officeDocument/2006/relationships" xmlns:p="http://schemas.openxmlformats.org/presentationml/2006/main">
+  <p:cSld>
+    <p:spTree>
+      <p:nvGrpSpPr>
+        <p:cNvPr id="1" name=""/>
+        <p:cNvGrpSpPr/>
+        <p:nvPr/>
+      </p:nvGrpSpPr>
+      <p:grpSpPr>
+        <a:xfrm>
+          <a:off x="0" y="0"/>
+          <a:ext cx="0" cy="0"/>
+          <a:chOff x="0" y="0"/>
+          <a:chExt cx="0" cy="0"/>
+        </a:xfrm>
+      </p:grpSpPr>
+      <p:sp>
+        <p:nvSpPr>
+          <p:cNvPr id="2" name="Title 1">
+            <a:extLst>
+              <a:ext uri="{FF2B5EF4-FFF2-40B4-BE49-F238E27FC236}">
+                <a16:creationId xmlns:a16="http://schemas.microsoft.com/office/drawing/2014/main" id="{4158A790-B375-46B4-89C9-F33424D33E8D}"/>
+              </a:ext>
+            </a:extLst>
+          </p:cNvPr>
+          <p:cNvSpPr>
+            <a:spLocks noGrp="1"/>
+          </p:cNvSpPr>
+          <p:nvPr>
+            <p:ph type="title"/>
+          </p:nvPr>
+        </p:nvSpPr>
+        <p:spPr/>
+        <p:txBody>
+          <a:bodyPr/>
+          <a:lstStyle/>
+          <a:p>
+            <a:r>
+              <a:rPr lang="en-US" dirty="0"/>
+              <a:t>What’s causing the Race Condition?</a:t>
+            </a:r>
+          </a:p>
+        </p:txBody>
+      </p:sp>
+      <p:sp>
+        <p:nvSpPr>
+          <p:cNvPr id="3" name="Content Placeholder 2">
+            <a:extLst>
+              <a:ext uri="{FF2B5EF4-FFF2-40B4-BE49-F238E27FC236}">
+                <a16:creationId xmlns:a16="http://schemas.microsoft.com/office/drawing/2014/main" id="{018EC64F-AA50-4610-B4B0-1D016687934E}"/>
+              </a:ext>
+            </a:extLst>
+          </p:cNvPr>
+          <p:cNvSpPr>
+            <a:spLocks noGrp="1"/>
+          </p:cNvSpPr>
+          <p:nvPr>
+            <p:ph idx="1"/>
+          </p:nvPr>
+        </p:nvSpPr>
+        <p:spPr/>
+        <p:txBody>
+          <a:bodyPr/>
+          <a:lstStyle/>
+          <a:p>
+            <a:r>
+              <a:rPr lang="en-US" dirty="0"/>
+              <a:t>Multiple threads trying to access the same shared resource</a:t>
+            </a:r>
+          </a:p>
+        </p:txBody>
+      </p:sp>
+      <p:pic>
+        <p:nvPicPr>
+          <p:cNvPr id="3074" name="Picture 2">
+            <a:extLst>
+              <a:ext uri="{FF2B5EF4-FFF2-40B4-BE49-F238E27FC236}">
+                <a16:creationId xmlns:a16="http://schemas.microsoft.com/office/drawing/2014/main" id="{CAC2DB03-2EA3-46FA-9BD1-55161BAD07E5}"/>
+              </a:ext>
+            </a:extLst>
+          </p:cNvPr>
+          <p:cNvPicPr>
+            <a:picLocks noChangeAspect="1" noChangeArrowheads="1"/>
+          </p:cNvPicPr>
+          <p:nvPr/>
+        </p:nvPicPr>
+        <p:blipFill>
+          <a:blip r:embed="rId2">
+            <a:extLst>
+              <a:ext uri="{28A0092B-C50C-407E-A947-70E740481C1C}">
+                <a14:useLocalDpi xmlns:a14="http://schemas.microsoft.com/office/drawing/2010/main" val="0"/>
+              </a:ext>
+            </a:extLst>
+          </a:blip>
+          <a:srcRect/>
+          <a:stretch>
+            <a:fillRect/>
+          </a:stretch>
+        </p:blipFill>
+        <p:spPr bwMode="auto">
+          <a:xfrm>
+            <a:off x="2433894" y="2362200"/>
+            <a:ext cx="7820025" cy="4495800"/>
+          </a:xfrm>
+          <a:prstGeom prst="rect">
+            <a:avLst/>
+          </a:prstGeom>
+          <a:noFill/>
+          <a:extLst>
+            <a:ext uri="{909E8E84-426E-40DD-AFC4-6F175D3DCCD1}">
+              <a14:hiddenFill xmlns:a14="http://schemas.microsoft.com/office/drawing/2010/main">
+                <a:solidFill>
+                  <a:srgbClr val="FFFFFF"/>
+                </a:solidFill>
+              </a14:hiddenFill>
+            </a:ext>
+          </a:extLst>
+        </p:spPr>
+      </p:pic>
+    </p:spTree>
+    <p:extLst>
+      <p:ext uri="{BB962C8B-B14F-4D97-AF65-F5344CB8AC3E}">
+        <p14:creationId xmlns:p14="http://schemas.microsoft.com/office/powerpoint/2010/main" val="3602426670"/>
+      </p:ext>
+    </p:extLst>
+  </p:cSld>
+  <p:clrMapOvr>
+    <a:masterClrMapping/>
+  </p:clrMapOvr>
+</p:sld>
+</file>
+
+<file path=ppt/slides/slide9.xml><?xml version="1.0" encoding="utf-8"?>
+<p:sld xmlns:a="http://schemas.openxmlformats.org/drawingml/2006/main" xmlns:r="http://schemas.openxmlformats.org/officeDocument/2006/relationships" xmlns:p="http://schemas.openxmlformats.org/presentationml/2006/main">
+  <p:cSld>
+    <p:spTree>
+      <p:nvGrpSpPr>
+        <p:cNvPr id="1" name=""/>
+        <p:cNvGrpSpPr/>
+        <p:nvPr/>
+      </p:nvGrpSpPr>
+      <p:grpSpPr>
+        <a:xfrm>
+          <a:off x="0" y="0"/>
+          <a:ext cx="0" cy="0"/>
+          <a:chOff x="0" y="0"/>
+          <a:chExt cx="0" cy="0"/>
+        </a:xfrm>
+      </p:grpSpPr>
+      <p:sp>
+        <p:nvSpPr>
+          <p:cNvPr id="2" name="Title 1">
+            <a:extLst>
+              <a:ext uri="{FF2B5EF4-FFF2-40B4-BE49-F238E27FC236}">
+                <a16:creationId xmlns:a16="http://schemas.microsoft.com/office/drawing/2014/main" id="{1FBE3290-AA36-4919-BBAA-CE6CBF1AB18E}"/>
+              </a:ext>
+            </a:extLst>
+          </p:cNvPr>
+          <p:cNvSpPr>
+            <a:spLocks noGrp="1"/>
+          </p:cNvSpPr>
+          <p:nvPr>
+            <p:ph type="title"/>
+          </p:nvPr>
+        </p:nvSpPr>
+        <p:spPr/>
+        <p:txBody>
+          <a:bodyPr/>
+          <a:lstStyle/>
+          <a:p>
+            <a:r>
+              <a:rPr lang="en-US" dirty="0"/>
+              <a:t>Using Locks to Solve Race Conditions</a:t>
+            </a:r>
+          </a:p>
+        </p:txBody>
+      </p:sp>
+      <p:sp>
+        <p:nvSpPr>
+          <p:cNvPr id="3" name="Content Placeholder 2">
+            <a:extLst>
+              <a:ext uri="{FF2B5EF4-FFF2-40B4-BE49-F238E27FC236}">
+                <a16:creationId xmlns:a16="http://schemas.microsoft.com/office/drawing/2014/main" id="{1E5896AC-E7A2-4281-8EF1-21136876E660}"/>
+              </a:ext>
+            </a:extLst>
+          </p:cNvPr>
+          <p:cNvSpPr>
+            <a:spLocks noGrp="1"/>
+          </p:cNvSpPr>
+          <p:nvPr>
+            <p:ph idx="1"/>
+          </p:nvPr>
+        </p:nvSpPr>
+        <p:spPr/>
+        <p:txBody>
+          <a:bodyPr/>
+          <a:lstStyle/>
+          <a:p>
+            <a:r>
+              <a:rPr lang="en-US" dirty="0"/>
+              <a:t>Solved using a </a:t>
+            </a:r>
+            <a:r>
+              <a:rPr lang="en-US" dirty="0">
+                <a:latin typeface="Consolas" panose="020B0609020204030204" pitchFamily="49" charset="0"/>
+              </a:rPr>
+              <a:t>Lock</a:t>
+            </a:r>
+          </a:p>
+          <a:p>
+            <a:r>
+              <a:rPr lang="en-US" dirty="0">
+                <a:latin typeface="Consolas" panose="020B0609020204030204" pitchFamily="49" charset="0"/>
+              </a:rPr>
+              <a:t>Lock</a:t>
+            </a:r>
+            <a:r>
+              <a:rPr lang="en-US" dirty="0"/>
+              <a:t> has two methods relevant to us:</a:t>
+            </a:r>
+          </a:p>
+          <a:p>
+            <a:pPr lvl="1"/>
+            <a:r>
+              <a:rPr lang="en-US" dirty="0">
+                <a:latin typeface="Consolas" panose="020B0609020204030204" pitchFamily="49" charset="0"/>
+              </a:rPr>
+              <a:t>acquire</a:t>
+            </a:r>
+          </a:p>
+          <a:p>
+            <a:pPr lvl="1"/>
+            <a:r>
+              <a:rPr lang="en-US" dirty="0">
+                <a:latin typeface="Consolas" panose="020B0609020204030204" pitchFamily="49" charset="0"/>
+              </a:rPr>
+              <a:t>Release</a:t>
+            </a:r>
+          </a:p>
+          <a:p>
+            <a:r>
+              <a:rPr lang="en-US" dirty="0"/>
+              <a:t>Using these we can synchronize threads accessing the same resources</a:t>
+            </a:r>
+          </a:p>
+        </p:txBody>
+      </p:sp>
+    </p:spTree>
+    <p:extLst>
+      <p:ext uri="{BB962C8B-B14F-4D97-AF65-F5344CB8AC3E}">
+        <p14:creationId xmlns:p14="http://schemas.microsoft.com/office/powerpoint/2010/main" val="2369062402"/>
+      </p:ext>
+    </p:extLst>
+  </p:cSld>
+  <p:clrMapOvr>
+    <a:masterClrMapping/>
+  </p:clrMapOvr>
+</p:sld>
+</file>
+
 <file path=ppt/theme/theme1.xml><?xml version="1.0" encoding="utf-8"?>
 <a:theme xmlns:a="http://schemas.openxmlformats.org/drawingml/2006/main" name="Office Theme">
   <a:themeElements>
@@ -3293,4 +5165,299 @@
     </a:ext>
   </a:extLst>
 </a:theme>
+</file>
+
+<file path=ppt/theme/theme2.xml><?xml version="1.0" encoding="utf-8"?>
+<a:theme xmlns:a="http://schemas.openxmlformats.org/drawingml/2006/main" name="Office Theme">
+  <a:themeElements>
+    <a:clrScheme name="Office">
+      <a:dk1>
+        <a:sysClr val="windowText" lastClr="000000"/>
+      </a:dk1>
+      <a:lt1>
+        <a:sysClr val="window" lastClr="FFFFFF"/>
+      </a:lt1>
+      <a:dk2>
+        <a:srgbClr val="44546A"/>
+      </a:dk2>
+      <a:lt2>
+        <a:srgbClr val="E7E6E6"/>
+      </a:lt2>
+      <a:accent1>
+        <a:srgbClr val="4472C4"/>
+      </a:accent1>
+      <a:accent2>
+        <a:srgbClr val="ED7D31"/>
+      </a:accent2>
+      <a:accent3>
+        <a:srgbClr val="A5A5A5"/>
+      </a:accent3>
+      <a:accent4>
+        <a:srgbClr val="FFC000"/>
+      </a:accent4>
+      <a:accent5>
+        <a:srgbClr val="5B9BD5"/>
+      </a:accent5>
+      <a:accent6>
+        <a:srgbClr val="70AD47"/>
+      </a:accent6>
+      <a:hlink>
+        <a:srgbClr val="0563C1"/>
+      </a:hlink>
+      <a:folHlink>
+        <a:srgbClr val="954F72"/>
+      </a:folHlink>
+    </a:clrScheme>
+    <a:fontScheme name="Office">
+      <a:majorFont>
+        <a:latin typeface="Calibri Light" panose="020F0302020204030204"/>
+        <a:ea typeface=""/>
+        <a:cs typeface=""/>
+        <a:font script="Jpan" typeface="游ゴシック Light"/>
+        <a:font script="Hang" typeface="맑은 고딕"/>
+        <a:font script="Hans" typeface="等线 Light"/>
+        <a:font script="Hant" typeface="新細明體"/>
+        <a:font script="Arab" typeface="Times New Roman"/>
+        <a:font script="Hebr" typeface="Times New Roman"/>
+        <a:font script="Thai" typeface="Angsana New"/>
+        <a:font script="Ethi" typeface="Nyala"/>
+        <a:font script="Beng" typeface="Vrinda"/>
+        <a:font script="Gujr" typeface="Shruti"/>
+        <a:font script="Khmr" typeface="MoolBoran"/>
+        <a:font script="Knda" typeface="Tunga"/>
+        <a:font script="Guru" typeface="Raavi"/>
+        <a:font script="Cans" typeface="Euphemia"/>
+        <a:font script="Cher" typeface="Plantagenet Cherokee"/>
+        <a:font script="Yiii" typeface="Microsoft Yi Baiti"/>
+        <a:font script="Tibt" typeface="Microsoft Himalaya"/>
+        <a:font script="Thaa" typeface="MV Boli"/>
+        <a:font script="Deva" typeface="Mangal"/>
+        <a:font script="Telu" typeface="Gautami"/>
+        <a:font script="Taml" typeface="Latha"/>
+        <a:font script="Syrc" typeface="Estrangelo Edessa"/>
+        <a:font script="Orya" typeface="Kalinga"/>
+        <a:font script="Mlym" typeface="Kartika"/>
+        <a:font script="Laoo" typeface="DokChampa"/>
+        <a:font script="Sinh" typeface="Iskoola Pota"/>
+        <a:font script="Mong" typeface="Mongolian Baiti"/>
+        <a:font script="Viet" typeface="Times New Roman"/>
+        <a:font script="Uigh" typeface="Microsoft Uighur"/>
+        <a:font script="Geor" typeface="Sylfaen"/>
+        <a:font script="Armn" typeface="Arial"/>
+        <a:font script="Bugi" typeface="Leelawadee UI"/>
+        <a:font script="Bopo" typeface="Microsoft JhengHei"/>
+        <a:font script="Java" typeface="Javanese Text"/>
+        <a:font script="Lisu" typeface="Segoe UI"/>
+        <a:font script="Mymr" typeface="Myanmar Text"/>
+        <a:font script="Nkoo" typeface="Ebrima"/>
+        <a:font script="Olck" typeface="Nirmala UI"/>
+        <a:font script="Osma" typeface="Ebrima"/>
+        <a:font script="Phag" typeface="Phagspa"/>
+        <a:font script="Syrn" typeface="Estrangelo Edessa"/>
+        <a:font script="Syrj" typeface="Estrangelo Edessa"/>
+        <a:font script="Syre" typeface="Estrangelo Edessa"/>
+        <a:font script="Sora" typeface="Nirmala UI"/>
+        <a:font script="Tale" typeface="Microsoft Tai Le"/>
+        <a:font script="Talu" typeface="Microsoft New Tai Lue"/>
+        <a:font script="Tfng" typeface="Ebrima"/>
+      </a:majorFont>
+      <a:minorFont>
+        <a:latin typeface="Calibri" panose="020F0502020204030204"/>
+        <a:ea typeface=""/>
+        <a:cs typeface=""/>
+        <a:font script="Jpan" typeface="游ゴシック"/>
+        <a:font script="Hang" typeface="맑은 고딕"/>
+        <a:font script="Hans" typeface="等线"/>
+        <a:font script="Hant" typeface="新細明體"/>
+        <a:font script="Arab" typeface="Arial"/>
+        <a:font script="Hebr" typeface="Arial"/>
+        <a:font script="Thai" typeface="Cordia New"/>
+        <a:font script="Ethi" typeface="Nyala"/>
+        <a:font script="Beng" typeface="Vrinda"/>
+        <a:font script="Gujr" typeface="Shruti"/>
+        <a:font script="Khmr" typeface="DaunPenh"/>
+        <a:font script="Knda" typeface="Tunga"/>
+        <a:font script="Guru" typeface="Raavi"/>
+        <a:font script="Cans" typeface="Euphemia"/>
+        <a:font script="Cher" typeface="Plantagenet Cherokee"/>
+        <a:font script="Yiii" typeface="Microsoft Yi Baiti"/>
+        <a:font script="Tibt" typeface="Microsoft Himalaya"/>
+        <a:font script="Thaa" typeface="MV Boli"/>
+        <a:font script="Deva" typeface="Mangal"/>
+        <a:font script="Telu" typeface="Gautami"/>
+        <a:font script="Taml" typeface="Latha"/>
+        <a:font script="Syrc" typeface="Estrangelo Edessa"/>
+        <a:font script="Orya" typeface="Kalinga"/>
+        <a:font script="Mlym" typeface="Kartika"/>
+        <a:font script="Laoo" typeface="DokChampa"/>
+        <a:font script="Sinh" typeface="Iskoola Pota"/>
+        <a:font script="Mong" typeface="Mongolian Baiti"/>
+        <a:font script="Viet" typeface="Arial"/>
+        <a:font script="Uigh" typeface="Microsoft Uighur"/>
+        <a:font script="Geor" typeface="Sylfaen"/>
+        <a:font script="Armn" typeface="Arial"/>
+        <a:font script="Bugi" typeface="Leelawadee UI"/>
+        <a:font script="Bopo" typeface="Microsoft JhengHei"/>
+        <a:font script="Java" typeface="Javanese Text"/>
+        <a:font script="Lisu" typeface="Segoe UI"/>
+        <a:font script="Mymr" typeface="Myanmar Text"/>
+        <a:font script="Nkoo" typeface="Ebrima"/>
+        <a:font script="Olck" typeface="Nirmala UI"/>
+        <a:font script="Osma" typeface="Ebrima"/>
+        <a:font script="Phag" typeface="Phagspa"/>
+        <a:font script="Syrn" typeface="Estrangelo Edessa"/>
+        <a:font script="Syrj" typeface="Estrangelo Edessa"/>
+        <a:font script="Syre" typeface="Estrangelo Edessa"/>
+        <a:font script="Sora" typeface="Nirmala UI"/>
+        <a:font script="Tale" typeface="Microsoft Tai Le"/>
+        <a:font script="Talu" typeface="Microsoft New Tai Lue"/>
+        <a:font script="Tfng" typeface="Ebrima"/>
+      </a:minorFont>
+    </a:fontScheme>
+    <a:fmtScheme name="Office">
+      <a:fillStyleLst>
+        <a:solidFill>
+          <a:schemeClr val="phClr"/>
+        </a:solidFill>
+        <a:gradFill rotWithShape="1">
+          <a:gsLst>
+            <a:gs pos="0">
+              <a:schemeClr val="phClr">
+                <a:lumMod val="110000"/>
+                <a:satMod val="105000"/>
+                <a:tint val="67000"/>
+              </a:schemeClr>
+            </a:gs>
+            <a:gs pos="50000">
+              <a:schemeClr val="phClr">
+                <a:lumMod val="105000"/>
+                <a:satMod val="103000"/>
+                <a:tint val="73000"/>
+              </a:schemeClr>
+            </a:gs>
+            <a:gs pos="100000">
+              <a:schemeClr val="phClr">
+                <a:lumMod val="105000"/>
+                <a:satMod val="109000"/>
+                <a:tint val="81000"/>
+              </a:schemeClr>
+            </a:gs>
+          </a:gsLst>
+          <a:lin ang="5400000" scaled="0"/>
+        </a:gradFill>
+        <a:gradFill rotWithShape="1">
+          <a:gsLst>
+            <a:gs pos="0">
+              <a:schemeClr val="phClr">
+                <a:satMod val="103000"/>
+                <a:lumMod val="102000"/>
+                <a:tint val="94000"/>
+              </a:schemeClr>
+            </a:gs>
+            <a:gs pos="50000">
+              <a:schemeClr val="phClr">
+                <a:satMod val="110000"/>
+                <a:lumMod val="100000"/>
+                <a:shade val="100000"/>
+              </a:schemeClr>
+            </a:gs>
+            <a:gs pos="100000">
+              <a:schemeClr val="phClr">
+                <a:lumMod val="99000"/>
+                <a:satMod val="120000"/>
+                <a:shade val="78000"/>
+              </a:schemeClr>
+            </a:gs>
+          </a:gsLst>
+          <a:lin ang="5400000" scaled="0"/>
+        </a:gradFill>
+      </a:fillStyleLst>
+      <a:lnStyleLst>
+        <a:ln w="6350" cap="flat" cmpd="sng" algn="ctr">
+          <a:solidFill>
+            <a:schemeClr val="phClr"/>
+          </a:solidFill>
+          <a:prstDash val="solid"/>
+          <a:miter lim="800000"/>
+        </a:ln>
+        <a:ln w="12700" cap="flat" cmpd="sng" algn="ctr">
+          <a:solidFill>
+            <a:schemeClr val="phClr"/>
+          </a:solidFill>
+          <a:prstDash val="solid"/>
+          <a:miter lim="800000"/>
+        </a:ln>
+        <a:ln w="19050" cap="flat" cmpd="sng" algn="ctr">
+          <a:solidFill>
+            <a:schemeClr val="phClr"/>
+          </a:solidFill>
+          <a:prstDash val="solid"/>
+          <a:miter lim="800000"/>
+        </a:ln>
+      </a:lnStyleLst>
+      <a:effectStyleLst>
+        <a:effectStyle>
+          <a:effectLst/>
+        </a:effectStyle>
+        <a:effectStyle>
+          <a:effectLst/>
+        </a:effectStyle>
+        <a:effectStyle>
+          <a:effectLst>
+            <a:outerShdw blurRad="57150" dist="19050" dir="5400000" algn="ctr" rotWithShape="0">
+              <a:srgbClr val="000000">
+                <a:alpha val="63000"/>
+              </a:srgbClr>
+            </a:outerShdw>
+          </a:effectLst>
+        </a:effectStyle>
+      </a:effectStyleLst>
+      <a:bgFillStyleLst>
+        <a:solidFill>
+          <a:schemeClr val="phClr"/>
+        </a:solidFill>
+        <a:solidFill>
+          <a:schemeClr val="phClr">
+            <a:tint val="95000"/>
+            <a:satMod val="170000"/>
+          </a:schemeClr>
+        </a:solidFill>
+        <a:gradFill rotWithShape="1">
+          <a:gsLst>
+            <a:gs pos="0">
+              <a:schemeClr val="phClr">
+                <a:tint val="93000"/>
+                <a:satMod val="150000"/>
+                <a:shade val="98000"/>
+                <a:lumMod val="102000"/>
+              </a:schemeClr>
+            </a:gs>
+            <a:gs pos="50000">
+              <a:schemeClr val="phClr">
+                <a:tint val="98000"/>
+                <a:satMod val="130000"/>
+                <a:shade val="90000"/>
+                <a:lumMod val="103000"/>
+              </a:schemeClr>
+            </a:gs>
+            <a:gs pos="100000">
+              <a:schemeClr val="phClr">
+                <a:shade val="63000"/>
+                <a:satMod val="120000"/>
+              </a:schemeClr>
+            </a:gs>
+          </a:gsLst>
+          <a:lin ang="5400000" scaled="0"/>
+        </a:gradFill>
+      </a:bgFillStyleLst>
+    </a:fmtScheme>
+  </a:themeElements>
+  <a:objectDefaults/>
+  <a:extraClrSchemeLst/>
+  <a:extLst>
+    <a:ext uri="{05A4C25C-085E-4340-85A3-A5531E510DB2}">
+      <thm15:themeFamily xmlns:thm15="http://schemas.microsoft.com/office/thememl/2012/main" name="Office Theme" id="{62F939B6-93AF-4DB8-9C6B-D6C7DFDC589F}" vid="{4A3C46E8-61CC-4603-A589-7422A47A8E4A}"/>
+    </a:ext>
+  </a:extLst>
+</a:theme>
 </file>
--- a/threading.pptx
+++ b/threading.pptx
@@ -5,7 +5,7 @@
     <p:sldMasterId id="2147483660" r:id="rId1"/>
   </p:sldMasterIdLst>
   <p:notesMasterIdLst>
-    <p:notesMasterId r:id="rId13"/>
+    <p:notesMasterId r:id="rId14"/>
   </p:notesMasterIdLst>
   <p:sldIdLst>
     <p:sldId id="256" r:id="rId2"/>
@@ -18,7 +18,8 @@
     <p:sldId id="263" r:id="rId9"/>
     <p:sldId id="264" r:id="rId10"/>
     <p:sldId id="265" r:id="rId11"/>
-    <p:sldId id="266" r:id="rId12"/>
+    <p:sldId id="267" r:id="rId12"/>
+    <p:sldId id="266" r:id="rId13"/>
   </p:sldIdLst>
   <p:sldSz cx="12192000" cy="6858000"/>
   <p:notesSz cx="6858000" cy="9144000"/>
@@ -207,7 +208,7 @@
           <a:p>
             <a:fld id="{C9910A54-8558-4BC2-AC3B-D7C0445DE810}" type="datetimeFigureOut">
               <a:rPr lang="en-US" smtClean="0"/>
-              <a:t>9/27/2021</a:t>
+              <a:t>9/29/2021</a:t>
             </a:fld>
             <a:endParaRPr lang="en-US"/>
           </a:p>
@@ -689,7 +690,7 @@
           <a:p>
             <a:fld id="{FC8B51DD-4D59-4D3C-ADD1-B451BDC2F957}" type="datetimeFigureOut">
               <a:rPr lang="en-US" smtClean="0"/>
-              <a:t>9/27/2021</a:t>
+              <a:t>9/29/2021</a:t>
             </a:fld>
             <a:endParaRPr lang="en-US"/>
           </a:p>
@@ -859,7 +860,7 @@
           <a:p>
             <a:fld id="{FC8B51DD-4D59-4D3C-ADD1-B451BDC2F957}" type="datetimeFigureOut">
               <a:rPr lang="en-US" smtClean="0"/>
-              <a:t>9/27/2021</a:t>
+              <a:t>9/29/2021</a:t>
             </a:fld>
             <a:endParaRPr lang="en-US"/>
           </a:p>
@@ -1039,7 +1040,7 @@
           <a:p>
             <a:fld id="{FC8B51DD-4D59-4D3C-ADD1-B451BDC2F957}" type="datetimeFigureOut">
               <a:rPr lang="en-US" smtClean="0"/>
-              <a:t>9/27/2021</a:t>
+              <a:t>9/29/2021</a:t>
             </a:fld>
             <a:endParaRPr lang="en-US"/>
           </a:p>
@@ -1209,7 +1210,7 @@
           <a:p>
             <a:fld id="{FC8B51DD-4D59-4D3C-ADD1-B451BDC2F957}" type="datetimeFigureOut">
               <a:rPr lang="en-US" smtClean="0"/>
-              <a:t>9/27/2021</a:t>
+              <a:t>9/29/2021</a:t>
             </a:fld>
             <a:endParaRPr lang="en-US"/>
           </a:p>
@@ -1455,7 +1456,7 @@
           <a:p>
             <a:fld id="{FC8B51DD-4D59-4D3C-ADD1-B451BDC2F957}" type="datetimeFigureOut">
               <a:rPr lang="en-US" smtClean="0"/>
-              <a:t>9/27/2021</a:t>
+              <a:t>9/29/2021</a:t>
             </a:fld>
             <a:endParaRPr lang="en-US"/>
           </a:p>
@@ -1687,7 +1688,7 @@
           <a:p>
             <a:fld id="{FC8B51DD-4D59-4D3C-ADD1-B451BDC2F957}" type="datetimeFigureOut">
               <a:rPr lang="en-US" smtClean="0"/>
-              <a:t>9/27/2021</a:t>
+              <a:t>9/29/2021</a:t>
             </a:fld>
             <a:endParaRPr lang="en-US"/>
           </a:p>
@@ -2054,7 +2055,7 @@
           <a:p>
             <a:fld id="{FC8B51DD-4D59-4D3C-ADD1-B451BDC2F957}" type="datetimeFigureOut">
               <a:rPr lang="en-US" smtClean="0"/>
-              <a:t>9/27/2021</a:t>
+              <a:t>9/29/2021</a:t>
             </a:fld>
             <a:endParaRPr lang="en-US"/>
           </a:p>
@@ -2172,7 +2173,7 @@
           <a:p>
             <a:fld id="{FC8B51DD-4D59-4D3C-ADD1-B451BDC2F957}" type="datetimeFigureOut">
               <a:rPr lang="en-US" smtClean="0"/>
-              <a:t>9/27/2021</a:t>
+              <a:t>9/29/2021</a:t>
             </a:fld>
             <a:endParaRPr lang="en-US"/>
           </a:p>
@@ -2267,7 +2268,7 @@
           <a:p>
             <a:fld id="{FC8B51DD-4D59-4D3C-ADD1-B451BDC2F957}" type="datetimeFigureOut">
               <a:rPr lang="en-US" smtClean="0"/>
-              <a:t>9/27/2021</a:t>
+              <a:t>9/29/2021</a:t>
             </a:fld>
             <a:endParaRPr lang="en-US"/>
           </a:p>
@@ -2544,7 +2545,7 @@
           <a:p>
             <a:fld id="{FC8B51DD-4D59-4D3C-ADD1-B451BDC2F957}" type="datetimeFigureOut">
               <a:rPr lang="en-US" smtClean="0"/>
-              <a:t>9/27/2021</a:t>
+              <a:t>9/29/2021</a:t>
             </a:fld>
             <a:endParaRPr lang="en-US"/>
           </a:p>
@@ -2801,7 +2802,7 @@
           <a:p>
             <a:fld id="{FC8B51DD-4D59-4D3C-ADD1-B451BDC2F957}" type="datetimeFigureOut">
               <a:rPr lang="en-US" smtClean="0"/>
-              <a:t>9/27/2021</a:t>
+              <a:t>9/29/2021</a:t>
             </a:fld>
             <a:endParaRPr lang="en-US"/>
           </a:p>
@@ -3014,7 +3015,7 @@
           <a:p>
             <a:fld id="{FC8B51DD-4D59-4D3C-ADD1-B451BDC2F957}" type="datetimeFigureOut">
               <a:rPr lang="en-US" smtClean="0"/>
-              <a:t>9/27/2021</a:t>
+              <a:t>9/29/2021</a:t>
             </a:fld>
             <a:endParaRPr lang="en-US"/>
           </a:p>
@@ -3664,6 +3665,98 @@
 </file>
 
 <file path=ppt/slides/slide11.xml><?xml version="1.0" encoding="utf-8"?>
+<p:sld xmlns:a="http://schemas.openxmlformats.org/drawingml/2006/main" xmlns:r="http://schemas.openxmlformats.org/officeDocument/2006/relationships" xmlns:p="http://schemas.openxmlformats.org/presentationml/2006/main">
+  <p:cSld>
+    <p:spTree>
+      <p:nvGrpSpPr>
+        <p:cNvPr id="1" name=""/>
+        <p:cNvGrpSpPr/>
+        <p:nvPr/>
+      </p:nvGrpSpPr>
+      <p:grpSpPr>
+        <a:xfrm>
+          <a:off x="0" y="0"/>
+          <a:ext cx="0" cy="0"/>
+          <a:chOff x="0" y="0"/>
+          <a:chExt cx="0" cy="0"/>
+        </a:xfrm>
+      </p:grpSpPr>
+      <p:sp>
+        <p:nvSpPr>
+          <p:cNvPr id="2" name="Title 1">
+            <a:extLst>
+              <a:ext uri="{FF2B5EF4-FFF2-40B4-BE49-F238E27FC236}">
+                <a16:creationId xmlns:a16="http://schemas.microsoft.com/office/drawing/2014/main" id="{53F6953D-3237-4FA8-81B2-42E8AB4EBA5A}"/>
+              </a:ext>
+            </a:extLst>
+          </p:cNvPr>
+          <p:cNvSpPr>
+            <a:spLocks noGrp="1"/>
+          </p:cNvSpPr>
+          <p:nvPr>
+            <p:ph type="title"/>
+          </p:nvPr>
+        </p:nvSpPr>
+        <p:spPr>
+          <a:xfrm>
+            <a:off x="838200" y="365125"/>
+            <a:ext cx="4365396" cy="2632599"/>
+          </a:xfrm>
+        </p:spPr>
+        <p:txBody>
+          <a:bodyPr/>
+          <a:lstStyle/>
+          <a:p>
+            <a:r>
+              <a:rPr lang="en-US" dirty="0"/>
+              <a:t>Acting as a Server for Multiple Connections</a:t>
+            </a:r>
+          </a:p>
+        </p:txBody>
+      </p:sp>
+      <p:pic>
+        <p:nvPicPr>
+          <p:cNvPr id="5" name="Content Placeholder 4">
+            <a:extLst>
+              <a:ext uri="{FF2B5EF4-FFF2-40B4-BE49-F238E27FC236}">
+                <a16:creationId xmlns:a16="http://schemas.microsoft.com/office/drawing/2014/main" id="{FA6E70F8-A489-456C-9A26-BABE7B79850C}"/>
+              </a:ext>
+            </a:extLst>
+          </p:cNvPr>
+          <p:cNvPicPr>
+            <a:picLocks noGrp="1" noChangeAspect="1"/>
+          </p:cNvPicPr>
+          <p:nvPr>
+            <p:ph idx="1"/>
+          </p:nvPr>
+        </p:nvPicPr>
+        <p:blipFill>
+          <a:blip r:embed="rId2"/>
+          <a:stretch>
+            <a:fillRect/>
+          </a:stretch>
+        </p:blipFill>
+        <p:spPr>
+          <a:xfrm>
+            <a:off x="5571242" y="45425"/>
+            <a:ext cx="6296740" cy="6812575"/>
+          </a:xfrm>
+        </p:spPr>
+      </p:pic>
+    </p:spTree>
+    <p:extLst>
+      <p:ext uri="{BB962C8B-B14F-4D97-AF65-F5344CB8AC3E}">
+        <p14:creationId xmlns:p14="http://schemas.microsoft.com/office/powerpoint/2010/main" val="3555955879"/>
+      </p:ext>
+    </p:extLst>
+  </p:cSld>
+  <p:clrMapOvr>
+    <a:masterClrMapping/>
+  </p:clrMapOvr>
+</p:sld>
+</file>
+
+<file path=ppt/slides/slide12.xml><?xml version="1.0" encoding="utf-8"?>
 <p:sld xmlns:a="http://schemas.openxmlformats.org/drawingml/2006/main" xmlns:r="http://schemas.openxmlformats.org/officeDocument/2006/relationships" xmlns:p="http://schemas.openxmlformats.org/presentationml/2006/main">
   <p:cSld>
     <p:spTree>

--- a/threading.pptx
+++ b/threading.pptx
@@ -3743,6 +3743,223 @@
           </a:xfrm>
         </p:spPr>
       </p:pic>
+      <p:sp>
+        <p:nvSpPr>
+          <p:cNvPr id="4" name="Content Placeholder 2">
+            <a:extLst>
+              <a:ext uri="{FF2B5EF4-FFF2-40B4-BE49-F238E27FC236}">
+                <a16:creationId xmlns:a16="http://schemas.microsoft.com/office/drawing/2014/main" id="{D0D699BC-A1FA-43B2-89DD-7C53AA5C5AF1}"/>
+              </a:ext>
+            </a:extLst>
+          </p:cNvPr>
+          <p:cNvSpPr txBox="1">
+            <a:spLocks/>
+          </p:cNvSpPr>
+          <p:nvPr/>
+        </p:nvSpPr>
+        <p:spPr>
+          <a:xfrm>
+            <a:off x="838200" y="2997724"/>
+            <a:ext cx="4007177" cy="3064579"/>
+          </a:xfrm>
+          <a:prstGeom prst="rect">
+            <a:avLst/>
+          </a:prstGeom>
+        </p:spPr>
+        <p:txBody>
+          <a:bodyPr vert="horz" lIns="91440" tIns="45720" rIns="91440" bIns="45720" rtlCol="0">
+            <a:normAutofit/>
+          </a:bodyPr>
+          <a:lstStyle>
+            <a:lvl1pPr marL="228600" indent="-228600" algn="l" defTabSz="914400" rtl="0" eaLnBrk="1" latinLnBrk="0" hangingPunct="1">
+              <a:lnSpc>
+                <a:spcPct val="90000"/>
+              </a:lnSpc>
+              <a:spcBef>
+                <a:spcPts val="1000"/>
+              </a:spcBef>
+              <a:buFont typeface="Arial" panose="020B0604020202020204" pitchFamily="34" charset="0"/>
+              <a:buChar char="•"/>
+              <a:defRPr sz="2800" kern="1200">
+                <a:solidFill>
+                  <a:schemeClr val="tx1"/>
+                </a:solidFill>
+                <a:latin typeface="+mn-lt"/>
+                <a:ea typeface="+mn-ea"/>
+                <a:cs typeface="+mn-cs"/>
+              </a:defRPr>
+            </a:lvl1pPr>
+            <a:lvl2pPr marL="685800" indent="-228600" algn="l" defTabSz="914400" rtl="0" eaLnBrk="1" latinLnBrk="0" hangingPunct="1">
+              <a:lnSpc>
+                <a:spcPct val="90000"/>
+              </a:lnSpc>
+              <a:spcBef>
+                <a:spcPts val="500"/>
+              </a:spcBef>
+              <a:buFont typeface="Arial" panose="020B0604020202020204" pitchFamily="34" charset="0"/>
+              <a:buChar char="•"/>
+              <a:defRPr sz="2400" kern="1200">
+                <a:solidFill>
+                  <a:schemeClr val="tx1"/>
+                </a:solidFill>
+                <a:latin typeface="+mn-lt"/>
+                <a:ea typeface="+mn-ea"/>
+                <a:cs typeface="+mn-cs"/>
+              </a:defRPr>
+            </a:lvl2pPr>
+            <a:lvl3pPr marL="1143000" indent="-228600" algn="l" defTabSz="914400" rtl="0" eaLnBrk="1" latinLnBrk="0" hangingPunct="1">
+              <a:lnSpc>
+                <a:spcPct val="90000"/>
+              </a:lnSpc>
+              <a:spcBef>
+                <a:spcPts val="500"/>
+              </a:spcBef>
+              <a:buFont typeface="Arial" panose="020B0604020202020204" pitchFamily="34" charset="0"/>
+              <a:buChar char="•"/>
+              <a:defRPr sz="2000" kern="1200">
+                <a:solidFill>
+                  <a:schemeClr val="tx1"/>
+                </a:solidFill>
+                <a:latin typeface="+mn-lt"/>
+                <a:ea typeface="+mn-ea"/>
+                <a:cs typeface="+mn-cs"/>
+              </a:defRPr>
+            </a:lvl3pPr>
+            <a:lvl4pPr marL="1600200" indent="-228600" algn="l" defTabSz="914400" rtl="0" eaLnBrk="1" latinLnBrk="0" hangingPunct="1">
+              <a:lnSpc>
+                <a:spcPct val="90000"/>
+              </a:lnSpc>
+              <a:spcBef>
+                <a:spcPts val="500"/>
+              </a:spcBef>
+              <a:buFont typeface="Arial" panose="020B0604020202020204" pitchFamily="34" charset="0"/>
+              <a:buChar char="•"/>
+              <a:defRPr sz="1800" kern="1200">
+                <a:solidFill>
+                  <a:schemeClr val="tx1"/>
+                </a:solidFill>
+                <a:latin typeface="+mn-lt"/>
+                <a:ea typeface="+mn-ea"/>
+                <a:cs typeface="+mn-cs"/>
+              </a:defRPr>
+            </a:lvl4pPr>
+            <a:lvl5pPr marL="2057400" indent="-228600" algn="l" defTabSz="914400" rtl="0" eaLnBrk="1" latinLnBrk="0" hangingPunct="1">
+              <a:lnSpc>
+                <a:spcPct val="90000"/>
+              </a:lnSpc>
+              <a:spcBef>
+                <a:spcPts val="500"/>
+              </a:spcBef>
+              <a:buFont typeface="Arial" panose="020B0604020202020204" pitchFamily="34" charset="0"/>
+              <a:buChar char="•"/>
+              <a:defRPr sz="1800" kern="1200">
+                <a:solidFill>
+                  <a:schemeClr val="tx1"/>
+                </a:solidFill>
+                <a:latin typeface="+mn-lt"/>
+                <a:ea typeface="+mn-ea"/>
+                <a:cs typeface="+mn-cs"/>
+              </a:defRPr>
+            </a:lvl5pPr>
+            <a:lvl6pPr marL="2514600" indent="-228600" algn="l" defTabSz="914400" rtl="0" eaLnBrk="1" latinLnBrk="0" hangingPunct="1">
+              <a:lnSpc>
+                <a:spcPct val="90000"/>
+              </a:lnSpc>
+              <a:spcBef>
+                <a:spcPts val="500"/>
+              </a:spcBef>
+              <a:buFont typeface="Arial" panose="020B0604020202020204" pitchFamily="34" charset="0"/>
+              <a:buChar char="•"/>
+              <a:defRPr sz="1800" kern="1200">
+                <a:solidFill>
+                  <a:schemeClr val="tx1"/>
+                </a:solidFill>
+                <a:latin typeface="+mn-lt"/>
+                <a:ea typeface="+mn-ea"/>
+                <a:cs typeface="+mn-cs"/>
+              </a:defRPr>
+            </a:lvl6pPr>
+            <a:lvl7pPr marL="2971800" indent="-228600" algn="l" defTabSz="914400" rtl="0" eaLnBrk="1" latinLnBrk="0" hangingPunct="1">
+              <a:lnSpc>
+                <a:spcPct val="90000"/>
+              </a:lnSpc>
+              <a:spcBef>
+                <a:spcPts val="500"/>
+              </a:spcBef>
+              <a:buFont typeface="Arial" panose="020B0604020202020204" pitchFamily="34" charset="0"/>
+              <a:buChar char="•"/>
+              <a:defRPr sz="1800" kern="1200">
+                <a:solidFill>
+                  <a:schemeClr val="tx1"/>
+                </a:solidFill>
+                <a:latin typeface="+mn-lt"/>
+                <a:ea typeface="+mn-ea"/>
+                <a:cs typeface="+mn-cs"/>
+              </a:defRPr>
+            </a:lvl7pPr>
+            <a:lvl8pPr marL="3429000" indent="-228600" algn="l" defTabSz="914400" rtl="0" eaLnBrk="1" latinLnBrk="0" hangingPunct="1">
+              <a:lnSpc>
+                <a:spcPct val="90000"/>
+              </a:lnSpc>
+              <a:spcBef>
+                <a:spcPts val="500"/>
+              </a:spcBef>
+              <a:buFont typeface="Arial" panose="020B0604020202020204" pitchFamily="34" charset="0"/>
+              <a:buChar char="•"/>
+              <a:defRPr sz="1800" kern="1200">
+                <a:solidFill>
+                  <a:schemeClr val="tx1"/>
+                </a:solidFill>
+                <a:latin typeface="+mn-lt"/>
+                <a:ea typeface="+mn-ea"/>
+                <a:cs typeface="+mn-cs"/>
+              </a:defRPr>
+            </a:lvl8pPr>
+            <a:lvl9pPr marL="3886200" indent="-228600" algn="l" defTabSz="914400" rtl="0" eaLnBrk="1" latinLnBrk="0" hangingPunct="1">
+              <a:lnSpc>
+                <a:spcPct val="90000"/>
+              </a:lnSpc>
+              <a:spcBef>
+                <a:spcPts val="500"/>
+              </a:spcBef>
+              <a:buFont typeface="Arial" panose="020B0604020202020204" pitchFamily="34" charset="0"/>
+              <a:buChar char="•"/>
+              <a:defRPr sz="1800" kern="1200">
+                <a:solidFill>
+                  <a:schemeClr val="tx1"/>
+                </a:solidFill>
+                <a:latin typeface="+mn-lt"/>
+                <a:ea typeface="+mn-ea"/>
+                <a:cs typeface="+mn-cs"/>
+              </a:defRPr>
+            </a:lvl9pPr>
+          </a:lstStyle>
+          <a:p>
+            <a:pPr marL="0" indent="0">
+              <a:buNone/>
+            </a:pPr>
+            <a:r>
+              <a:rPr lang="en-US" dirty="0"/>
+              <a:t>Accept can be called multiple times for a listening socket</a:t>
+            </a:r>
+          </a:p>
+          <a:p>
+            <a:pPr marL="0" indent="0">
+              <a:buNone/>
+            </a:pPr>
+            <a:endParaRPr lang="en-US" dirty="0"/>
+          </a:p>
+          <a:p>
+            <a:pPr marL="0" indent="0">
+              <a:buNone/>
+            </a:pPr>
+            <a:r>
+              <a:rPr lang="en-US" dirty="0"/>
+              <a:t>Each time accept is called it waits for the next client to connect.</a:t>
+            </a:r>
+          </a:p>
+        </p:txBody>
+      </p:sp>
     </p:spTree>
     <p:extLst>
       <p:ext uri="{BB962C8B-B14F-4D97-AF65-F5344CB8AC3E}">
